--- a/Прогнозирование стоимости дома.pptx
+++ b/Прогнозирование стоимости дома.pptx
@@ -7,14 +7,12 @@
   <p:sldIdLst>
     <p:sldId id="256" r:id="rId2"/>
     <p:sldId id="257" r:id="rId3"/>
-    <p:sldId id="258" r:id="rId4"/>
-    <p:sldId id="259" r:id="rId5"/>
-    <p:sldId id="260" r:id="rId6"/>
+    <p:sldId id="266" r:id="rId4"/>
+    <p:sldId id="267" r:id="rId5"/>
+    <p:sldId id="268" r:id="rId6"/>
     <p:sldId id="261" r:id="rId7"/>
-    <p:sldId id="264" r:id="rId8"/>
-    <p:sldId id="262" r:id="rId9"/>
-    <p:sldId id="263" r:id="rId10"/>
-    <p:sldId id="265" r:id="rId11"/>
+    <p:sldId id="262" r:id="rId8"/>
+    <p:sldId id="265" r:id="rId9"/>
   </p:sldIdLst>
   <p:sldSz cx="12192000" cy="6858000"/>
   <p:notesSz cx="6858000" cy="9144000"/>
@@ -113,6 +111,11 @@
       </a:defRPr>
     </a:lvl9pPr>
   </p:defaultTextStyle>
+  <p:extLst>
+    <p:ext uri="{EFAFB233-063F-42B5-8137-9DF3F51BA10A}">
+      <p15:sldGuideLst xmlns:p15="http://schemas.microsoft.com/office/powerpoint/2012/main"/>
+    </p:ext>
+  </p:extLst>
 </p:presentation>
 </file>
 
@@ -128,46 +131,944 @@
 </p:cmAuthorLst>
 </file>
 
-<file path=ppt/comments/comment1.xml><?xml version="1.0" encoding="utf-8"?>
-<p:cmLst xmlns:a="http://schemas.openxmlformats.org/drawingml/2006/main" xmlns:r="http://schemas.openxmlformats.org/officeDocument/2006/relationships" xmlns:p="http://schemas.openxmlformats.org/presentationml/2006/main">
-  <p:cm authorId="1" dt="2020-06-04T11:33:17.689" idx="1">
-    <p:pos x="3648" y="1908"/>
-    <p:text>К сожалению, у нас нет информации о точности, которая у конкурентов, поэтому нет точной цифры, которую надо достичь и перепрыгнуть. Так что просто стремимся  к наилучшему результату</p:text>
-    <p:extLst>
-      <p:ext uri="{C676402C-5697-4E1C-873F-D02D1690AC5C}">
-        <p15:threadingInfo xmlns:p15="http://schemas.microsoft.com/office/powerpoint/2012/main" timeZoneBias="-180"/>
-      </p:ext>
-    </p:extLst>
-  </p:cm>
-</p:cmLst>
+<file path=ppt/charts/chart1.xml><?xml version="1.0" encoding="utf-8"?>
+<c:chartSpace xmlns:c="http://schemas.openxmlformats.org/drawingml/2006/chart" xmlns:a="http://schemas.openxmlformats.org/drawingml/2006/main" xmlns:r="http://schemas.openxmlformats.org/officeDocument/2006/relationships" xmlns:c16r2="http://schemas.microsoft.com/office/drawing/2015/06/chart">
+  <c:date1904 val="0"/>
+  <c:lang val="ru-RU"/>
+  <c:roundedCorners val="0"/>
+  <mc:AlternateContent xmlns:mc="http://schemas.openxmlformats.org/markup-compatibility/2006">
+    <mc:Choice xmlns:c14="http://schemas.microsoft.com/office/drawing/2007/8/2/chart" Requires="c14">
+      <c14:style val="102"/>
+    </mc:Choice>
+    <mc:Fallback>
+      <c:style val="2"/>
+    </mc:Fallback>
+  </mc:AlternateContent>
+  <c:chart>
+    <c:title>
+      <c:tx>
+        <c:rich>
+          <a:bodyPr rot="0" spcFirstLastPara="1" vertOverflow="ellipsis" vert="horz" wrap="square" anchor="ctr" anchorCtr="1"/>
+          <a:lstStyle/>
+          <a:p>
+            <a:pPr>
+              <a:defRPr sz="1400" b="0" i="0" u="none" strike="noStrike" kern="1200" spc="0" baseline="0">
+                <a:solidFill>
+                  <a:schemeClr val="tx1">
+                    <a:lumMod val="65000"/>
+                    <a:lumOff val="35000"/>
+                  </a:schemeClr>
+                </a:solidFill>
+                <a:latin typeface="+mn-lt"/>
+                <a:ea typeface="+mn-ea"/>
+                <a:cs typeface="+mn-cs"/>
+              </a:defRPr>
+            </a:pPr>
+            <a:r>
+              <a:rPr lang="ru-RU" dirty="0" smtClean="0"/>
+              <a:t>Ошибка в </a:t>
+            </a:r>
+            <a:r>
+              <a:rPr lang="ru-RU" dirty="0"/>
+              <a:t>определении</a:t>
+            </a:r>
+            <a:r>
+              <a:rPr lang="ru-RU" baseline="0" dirty="0"/>
+              <a:t> стоимости</a:t>
+            </a:r>
+            <a:endParaRPr lang="ru-RU" dirty="0"/>
+          </a:p>
+        </c:rich>
+      </c:tx>
+      <c:layout/>
+      <c:overlay val="0"/>
+      <c:spPr>
+        <a:noFill/>
+        <a:ln>
+          <a:noFill/>
+        </a:ln>
+        <a:effectLst/>
+      </c:spPr>
+      <c:txPr>
+        <a:bodyPr rot="0" spcFirstLastPara="1" vertOverflow="ellipsis" vert="horz" wrap="square" anchor="ctr" anchorCtr="1"/>
+        <a:lstStyle/>
+        <a:p>
+          <a:pPr>
+            <a:defRPr sz="1400" b="0" i="0" u="none" strike="noStrike" kern="1200" spc="0" baseline="0">
+              <a:solidFill>
+                <a:schemeClr val="tx1">
+                  <a:lumMod val="65000"/>
+                  <a:lumOff val="35000"/>
+                </a:schemeClr>
+              </a:solidFill>
+              <a:latin typeface="+mn-lt"/>
+              <a:ea typeface="+mn-ea"/>
+              <a:cs typeface="+mn-cs"/>
+            </a:defRPr>
+          </a:pPr>
+          <a:endParaRPr lang="ru-RU"/>
+        </a:p>
+      </c:txPr>
+    </c:title>
+    <c:autoTitleDeleted val="0"/>
+    <c:plotArea>
+      <c:layout/>
+      <c:barChart>
+        <c:barDir val="col"/>
+        <c:grouping val="clustered"/>
+        <c:varyColors val="0"/>
+        <c:ser>
+          <c:idx val="0"/>
+          <c:order val="0"/>
+          <c:spPr>
+            <a:solidFill>
+              <a:schemeClr val="accent1"/>
+            </a:solidFill>
+            <a:ln>
+              <a:noFill/>
+            </a:ln>
+            <a:effectLst/>
+          </c:spPr>
+          <c:invertIfNegative val="0"/>
+          <c:dPt>
+            <c:idx val="1"/>
+            <c:invertIfNegative val="0"/>
+            <c:bubble3D val="0"/>
+            <c:spPr>
+              <a:solidFill>
+                <a:schemeClr val="accent2">
+                  <a:lumMod val="60000"/>
+                  <a:lumOff val="40000"/>
+                </a:schemeClr>
+              </a:solidFill>
+              <a:ln>
+                <a:noFill/>
+              </a:ln>
+              <a:effectLst/>
+            </c:spPr>
+            <c:extLst>
+              <c:ext xmlns:c16="http://schemas.microsoft.com/office/drawing/2014/chart" uri="{C3380CC4-5D6E-409C-BE32-E72D297353CC}">
+                <c16:uniqueId val="{00000001-DCB6-488A-BA6B-8BBF52161FC2}"/>
+              </c:ext>
+            </c:extLst>
+          </c:dPt>
+          <c:dPt>
+            <c:idx val="2"/>
+            <c:invertIfNegative val="0"/>
+            <c:bubble3D val="0"/>
+            <c:spPr>
+              <a:solidFill>
+                <a:schemeClr val="accent6">
+                  <a:lumMod val="60000"/>
+                  <a:lumOff val="40000"/>
+                </a:schemeClr>
+              </a:solidFill>
+              <a:ln>
+                <a:noFill/>
+              </a:ln>
+              <a:effectLst/>
+            </c:spPr>
+            <c:extLst>
+              <c:ext xmlns:c16="http://schemas.microsoft.com/office/drawing/2014/chart" uri="{C3380CC4-5D6E-409C-BE32-E72D297353CC}">
+                <c16:uniqueId val="{00000003-DCB6-488A-BA6B-8BBF52161FC2}"/>
+              </c:ext>
+            </c:extLst>
+          </c:dPt>
+          <c:dLbls>
+            <c:spPr>
+              <a:noFill/>
+              <a:ln>
+                <a:noFill/>
+              </a:ln>
+              <a:effectLst/>
+            </c:spPr>
+            <c:txPr>
+              <a:bodyPr rot="0" spcFirstLastPara="1" vertOverflow="ellipsis" vert="horz" wrap="square" lIns="38100" tIns="19050" rIns="38100" bIns="19050" anchor="ctr" anchorCtr="1">
+                <a:spAutoFit/>
+              </a:bodyPr>
+              <a:lstStyle/>
+              <a:p>
+                <a:pPr>
+                  <a:defRPr sz="900" b="0" i="0" u="none" strike="noStrike" kern="1200" baseline="0">
+                    <a:solidFill>
+                      <a:schemeClr val="tx1">
+                        <a:lumMod val="75000"/>
+                        <a:lumOff val="25000"/>
+                      </a:schemeClr>
+                    </a:solidFill>
+                    <a:latin typeface="+mn-lt"/>
+                    <a:ea typeface="+mn-ea"/>
+                    <a:cs typeface="+mn-cs"/>
+                  </a:defRPr>
+                </a:pPr>
+                <a:endParaRPr lang="ru-RU"/>
+              </a:p>
+            </c:txPr>
+            <c:showLegendKey val="0"/>
+            <c:showVal val="1"/>
+            <c:showCatName val="0"/>
+            <c:showSerName val="0"/>
+            <c:showPercent val="0"/>
+            <c:showBubbleSize val="0"/>
+            <c:showLeaderLines val="0"/>
+            <c:extLst>
+              <c:ext xmlns:c15="http://schemas.microsoft.com/office/drawing/2012/chart" uri="{CE6537A1-D6FC-4f65-9D91-7224C49458BB}">
+                <c15:layout/>
+                <c15:showLeaderLines val="1"/>
+                <c15:leaderLines>
+                  <c:spPr>
+                    <a:ln w="9525" cap="flat" cmpd="sng" algn="ctr">
+                      <a:solidFill>
+                        <a:schemeClr val="tx1">
+                          <a:lumMod val="35000"/>
+                          <a:lumOff val="65000"/>
+                        </a:schemeClr>
+                      </a:solidFill>
+                      <a:round/>
+                    </a:ln>
+                    <a:effectLst/>
+                  </c:spPr>
+                </c15:leaderLines>
+              </c:ext>
+            </c:extLst>
+          </c:dLbls>
+          <c:cat>
+            <c:strRef>
+              <c:f>Лист1!$A$2:$A$4</c:f>
+              <c:strCache>
+                <c:ptCount val="3"/>
+                <c:pt idx="0">
+                  <c:v>Средняя стоимость дома по всей выборке</c:v>
+                </c:pt>
+                <c:pt idx="1">
+                  <c:v>Средняя стоимость дома по району</c:v>
+                </c:pt>
+                <c:pt idx="2">
+                  <c:v>Предлагаемая модель</c:v>
+                </c:pt>
+              </c:strCache>
+            </c:strRef>
+          </c:cat>
+          <c:val>
+            <c:numRef>
+              <c:f>Лист1!$B$2:$B$4</c:f>
+              <c:numCache>
+                <c:formatCode>0%</c:formatCode>
+                <c:ptCount val="3"/>
+                <c:pt idx="0">
+                  <c:v>0.83</c:v>
+                </c:pt>
+                <c:pt idx="1">
+                  <c:v>0.53</c:v>
+                </c:pt>
+                <c:pt idx="2">
+                  <c:v>0.28999999999999998</c:v>
+                </c:pt>
+              </c:numCache>
+            </c:numRef>
+          </c:val>
+          <c:extLst>
+            <c:ext xmlns:c16="http://schemas.microsoft.com/office/drawing/2014/chart" uri="{C3380CC4-5D6E-409C-BE32-E72D297353CC}">
+              <c16:uniqueId val="{00000004-DCB6-488A-BA6B-8BBF52161FC2}"/>
+            </c:ext>
+          </c:extLst>
+        </c:ser>
+        <c:dLbls>
+          <c:showLegendKey val="0"/>
+          <c:showVal val="0"/>
+          <c:showCatName val="0"/>
+          <c:showSerName val="0"/>
+          <c:showPercent val="0"/>
+          <c:showBubbleSize val="0"/>
+        </c:dLbls>
+        <c:gapWidth val="219"/>
+        <c:overlap val="-27"/>
+        <c:axId val="1953977311"/>
+        <c:axId val="1953969823"/>
+      </c:barChart>
+      <c:catAx>
+        <c:axId val="1953977311"/>
+        <c:scaling>
+          <c:orientation val="minMax"/>
+        </c:scaling>
+        <c:delete val="0"/>
+        <c:axPos val="b"/>
+        <c:numFmt formatCode="General" sourceLinked="1"/>
+        <c:majorTickMark val="none"/>
+        <c:minorTickMark val="none"/>
+        <c:tickLblPos val="nextTo"/>
+        <c:spPr>
+          <a:noFill/>
+          <a:ln w="9525" cap="flat" cmpd="sng" algn="ctr">
+            <a:solidFill>
+              <a:schemeClr val="tx1">
+                <a:lumMod val="15000"/>
+                <a:lumOff val="85000"/>
+              </a:schemeClr>
+            </a:solidFill>
+            <a:round/>
+          </a:ln>
+          <a:effectLst/>
+        </c:spPr>
+        <c:txPr>
+          <a:bodyPr rot="-60000000" spcFirstLastPara="1" vertOverflow="ellipsis" vert="horz" wrap="square" anchor="ctr" anchorCtr="1"/>
+          <a:lstStyle/>
+          <a:p>
+            <a:pPr>
+              <a:defRPr sz="900" b="0" i="0" u="none" strike="noStrike" kern="1200" baseline="0">
+                <a:solidFill>
+                  <a:schemeClr val="tx1">
+                    <a:lumMod val="65000"/>
+                    <a:lumOff val="35000"/>
+                  </a:schemeClr>
+                </a:solidFill>
+                <a:latin typeface="+mn-lt"/>
+                <a:ea typeface="+mn-ea"/>
+                <a:cs typeface="+mn-cs"/>
+              </a:defRPr>
+            </a:pPr>
+            <a:endParaRPr lang="ru-RU"/>
+          </a:p>
+        </c:txPr>
+        <c:crossAx val="1953969823"/>
+        <c:crosses val="autoZero"/>
+        <c:auto val="1"/>
+        <c:lblAlgn val="ctr"/>
+        <c:lblOffset val="100"/>
+        <c:noMultiLvlLbl val="0"/>
+      </c:catAx>
+      <c:valAx>
+        <c:axId val="1953969823"/>
+        <c:scaling>
+          <c:orientation val="minMax"/>
+        </c:scaling>
+        <c:delete val="0"/>
+        <c:axPos val="l"/>
+        <c:majorGridlines>
+          <c:spPr>
+            <a:ln w="9525" cap="flat" cmpd="sng" algn="ctr">
+              <a:solidFill>
+                <a:schemeClr val="tx1">
+                  <a:lumMod val="15000"/>
+                  <a:lumOff val="85000"/>
+                </a:schemeClr>
+              </a:solidFill>
+              <a:round/>
+            </a:ln>
+            <a:effectLst/>
+          </c:spPr>
+        </c:majorGridlines>
+        <c:numFmt formatCode="0%" sourceLinked="1"/>
+        <c:majorTickMark val="none"/>
+        <c:minorTickMark val="none"/>
+        <c:tickLblPos val="nextTo"/>
+        <c:spPr>
+          <a:noFill/>
+          <a:ln>
+            <a:noFill/>
+          </a:ln>
+          <a:effectLst/>
+        </c:spPr>
+        <c:txPr>
+          <a:bodyPr rot="-60000000" spcFirstLastPara="1" vertOverflow="ellipsis" vert="horz" wrap="square" anchor="ctr" anchorCtr="1"/>
+          <a:lstStyle/>
+          <a:p>
+            <a:pPr>
+              <a:defRPr sz="900" b="0" i="0" u="none" strike="noStrike" kern="1200" baseline="0">
+                <a:solidFill>
+                  <a:schemeClr val="tx1">
+                    <a:lumMod val="65000"/>
+                    <a:lumOff val="35000"/>
+                  </a:schemeClr>
+                </a:solidFill>
+                <a:latin typeface="+mn-lt"/>
+                <a:ea typeface="+mn-ea"/>
+                <a:cs typeface="+mn-cs"/>
+              </a:defRPr>
+            </a:pPr>
+            <a:endParaRPr lang="ru-RU"/>
+          </a:p>
+        </c:txPr>
+        <c:crossAx val="1953977311"/>
+        <c:crosses val="autoZero"/>
+        <c:crossBetween val="between"/>
+      </c:valAx>
+      <c:spPr>
+        <a:noFill/>
+        <a:ln>
+          <a:noFill/>
+        </a:ln>
+        <a:effectLst/>
+      </c:spPr>
+    </c:plotArea>
+    <c:plotVisOnly val="1"/>
+    <c:dispBlanksAs val="gap"/>
+    <c:showDLblsOverMax val="0"/>
+  </c:chart>
+  <c:spPr>
+    <a:noFill/>
+    <a:ln>
+      <a:noFill/>
+    </a:ln>
+    <a:effectLst/>
+  </c:spPr>
+  <c:txPr>
+    <a:bodyPr/>
+    <a:lstStyle/>
+    <a:p>
+      <a:pPr>
+        <a:defRPr/>
+      </a:pPr>
+      <a:endParaRPr lang="ru-RU"/>
+    </a:p>
+  </c:txPr>
+  <c:externalData r:id="rId3">
+    <c:autoUpdate val="0"/>
+  </c:externalData>
+</c:chartSpace>
 </file>
 
-<file path=ppt/comments/comment2.xml><?xml version="1.0" encoding="utf-8"?>
-<p:cmLst xmlns:a="http://schemas.openxmlformats.org/drawingml/2006/main" xmlns:r="http://schemas.openxmlformats.org/officeDocument/2006/relationships" xmlns:p="http://schemas.openxmlformats.org/presentationml/2006/main">
-  <p:cm authorId="1" dt="2020-06-04T13:05:04.254" idx="2">
-    <p:pos x="7302" y="1258"/>
-    <p:text>Видно, что стоимость сильно разнится в зависимости от штата. Кроме того, в датасете информация не по всем штатам.</p:text>
-    <p:extLst>
-      <p:ext uri="{C676402C-5697-4E1C-873F-D02D1690AC5C}">
-        <p15:threadingInfo xmlns:p15="http://schemas.microsoft.com/office/powerpoint/2012/main" timeZoneBias="-180"/>
-      </p:ext>
-    </p:extLst>
-  </p:cm>
-</p:cmLst>
+<file path=ppt/charts/colors1.xml><?xml version="1.0" encoding="utf-8"?>
+<cs:colorStyle xmlns:cs="http://schemas.microsoft.com/office/drawing/2012/chartStyle" xmlns:a="http://schemas.openxmlformats.org/drawingml/2006/main" meth="cycle" id="10">
+  <a:schemeClr val="accent1"/>
+  <a:schemeClr val="accent2"/>
+  <a:schemeClr val="accent3"/>
+  <a:schemeClr val="accent4"/>
+  <a:schemeClr val="accent5"/>
+  <a:schemeClr val="accent6"/>
+  <cs:variation/>
+  <cs:variation>
+    <a:lumMod val="60000"/>
+  </cs:variation>
+  <cs:variation>
+    <a:lumMod val="80000"/>
+    <a:lumOff val="20000"/>
+  </cs:variation>
+  <cs:variation>
+    <a:lumMod val="80000"/>
+  </cs:variation>
+  <cs:variation>
+    <a:lumMod val="60000"/>
+    <a:lumOff val="40000"/>
+  </cs:variation>
+  <cs:variation>
+    <a:lumMod val="50000"/>
+  </cs:variation>
+  <cs:variation>
+    <a:lumMod val="70000"/>
+    <a:lumOff val="30000"/>
+  </cs:variation>
+  <cs:variation>
+    <a:lumMod val="70000"/>
+  </cs:variation>
+  <cs:variation>
+    <a:lumMod val="50000"/>
+    <a:lumOff val="50000"/>
+  </cs:variation>
+</cs:colorStyle>
 </file>
 
-<file path=ppt/comments/comment3.xml><?xml version="1.0" encoding="utf-8"?>
-<p:cmLst xmlns:a="http://schemas.openxmlformats.org/drawingml/2006/main" xmlns:r="http://schemas.openxmlformats.org/officeDocument/2006/relationships" xmlns:p="http://schemas.openxmlformats.org/presentationml/2006/main">
-  <p:cm authorId="1" dt="2020-06-04T13:33:15.327" idx="3">
-    <p:pos x="7051" y="1247"/>
-    <p:text>Получается, что если для дома не указана стоимость за квадратный фут, то и предсказание будет не очень точным</p:text>
-    <p:extLst>
-      <p:ext uri="{C676402C-5697-4E1C-873F-D02D1690AC5C}">
-        <p15:threadingInfo xmlns:p15="http://schemas.microsoft.com/office/powerpoint/2012/main" timeZoneBias="-180"/>
-      </p:ext>
-    </p:extLst>
-  </p:cm>
-</p:cmLst>
+<file path=ppt/charts/style1.xml><?xml version="1.0" encoding="utf-8"?>
+<cs:chartStyle xmlns:cs="http://schemas.microsoft.com/office/drawing/2012/chartStyle" xmlns:a="http://schemas.openxmlformats.org/drawingml/2006/main" id="201">
+  <cs:axisTitle>
+    <cs:lnRef idx="0"/>
+    <cs:fillRef idx="0"/>
+    <cs:effectRef idx="0"/>
+    <cs:fontRef idx="minor">
+      <a:schemeClr val="tx1">
+        <a:lumMod val="65000"/>
+        <a:lumOff val="35000"/>
+      </a:schemeClr>
+    </cs:fontRef>
+    <cs:defRPr sz="1000" kern="1200"/>
+  </cs:axisTitle>
+  <cs:categoryAxis>
+    <cs:lnRef idx="0"/>
+    <cs:fillRef idx="0"/>
+    <cs:effectRef idx="0"/>
+    <cs:fontRef idx="minor">
+      <a:schemeClr val="tx1">
+        <a:lumMod val="65000"/>
+        <a:lumOff val="35000"/>
+      </a:schemeClr>
+    </cs:fontRef>
+    <cs:spPr>
+      <a:ln w="9525" cap="flat" cmpd="sng" algn="ctr">
+        <a:solidFill>
+          <a:schemeClr val="tx1">
+            <a:lumMod val="15000"/>
+            <a:lumOff val="85000"/>
+          </a:schemeClr>
+        </a:solidFill>
+        <a:round/>
+      </a:ln>
+    </cs:spPr>
+    <cs:defRPr sz="900" kern="1200"/>
+  </cs:categoryAxis>
+  <cs:chartArea mods="allowNoFillOverride allowNoLineOverride">
+    <cs:lnRef idx="0"/>
+    <cs:fillRef idx="0"/>
+    <cs:effectRef idx="0"/>
+    <cs:fontRef idx="minor">
+      <a:schemeClr val="tx1"/>
+    </cs:fontRef>
+    <cs:spPr>
+      <a:solidFill>
+        <a:schemeClr val="bg1"/>
+      </a:solidFill>
+      <a:ln w="9525" cap="flat" cmpd="sng" algn="ctr">
+        <a:solidFill>
+          <a:schemeClr val="tx1">
+            <a:lumMod val="15000"/>
+            <a:lumOff val="85000"/>
+          </a:schemeClr>
+        </a:solidFill>
+        <a:round/>
+      </a:ln>
+    </cs:spPr>
+    <cs:defRPr sz="1000" kern="1200"/>
+  </cs:chartArea>
+  <cs:dataLabel>
+    <cs:lnRef idx="0"/>
+    <cs:fillRef idx="0"/>
+    <cs:effectRef idx="0"/>
+    <cs:fontRef idx="minor">
+      <a:schemeClr val="tx1">
+        <a:lumMod val="75000"/>
+        <a:lumOff val="25000"/>
+      </a:schemeClr>
+    </cs:fontRef>
+    <cs:defRPr sz="900" kern="1200"/>
+  </cs:dataLabel>
+  <cs:dataLabelCallout>
+    <cs:lnRef idx="0"/>
+    <cs:fillRef idx="0"/>
+    <cs:effectRef idx="0"/>
+    <cs:fontRef idx="minor">
+      <a:schemeClr val="dk1">
+        <a:lumMod val="65000"/>
+        <a:lumOff val="35000"/>
+      </a:schemeClr>
+    </cs:fontRef>
+    <cs:spPr>
+      <a:solidFill>
+        <a:schemeClr val="lt1"/>
+      </a:solidFill>
+      <a:ln>
+        <a:solidFill>
+          <a:schemeClr val="dk1">
+            <a:lumMod val="25000"/>
+            <a:lumOff val="75000"/>
+          </a:schemeClr>
+        </a:solidFill>
+      </a:ln>
+    </cs:spPr>
+    <cs:defRPr sz="900" kern="1200"/>
+    <cs:bodyPr rot="0" spcFirstLastPara="1" vertOverflow="clip" horzOverflow="clip" vert="horz" wrap="square" lIns="36576" tIns="18288" rIns="36576" bIns="18288" anchor="ctr" anchorCtr="1">
+      <a:spAutoFit/>
+    </cs:bodyPr>
+  </cs:dataLabelCallout>
+  <cs:dataPoint>
+    <cs:lnRef idx="0"/>
+    <cs:fillRef idx="1">
+      <cs:styleClr val="auto"/>
+    </cs:fillRef>
+    <cs:effectRef idx="0"/>
+    <cs:fontRef idx="minor">
+      <a:schemeClr val="tx1"/>
+    </cs:fontRef>
+  </cs:dataPoint>
+  <cs:dataPoint3D>
+    <cs:lnRef idx="0"/>
+    <cs:fillRef idx="1">
+      <cs:styleClr val="auto"/>
+    </cs:fillRef>
+    <cs:effectRef idx="0"/>
+    <cs:fontRef idx="minor">
+      <a:schemeClr val="tx1"/>
+    </cs:fontRef>
+  </cs:dataPoint3D>
+  <cs:dataPointLine>
+    <cs:lnRef idx="0">
+      <cs:styleClr val="auto"/>
+    </cs:lnRef>
+    <cs:fillRef idx="1"/>
+    <cs:effectRef idx="0"/>
+    <cs:fontRef idx="minor">
+      <a:schemeClr val="tx1"/>
+    </cs:fontRef>
+    <cs:spPr>
+      <a:ln w="28575" cap="rnd">
+        <a:solidFill>
+          <a:schemeClr val="phClr"/>
+        </a:solidFill>
+        <a:round/>
+      </a:ln>
+    </cs:spPr>
+  </cs:dataPointLine>
+  <cs:dataPointMarker>
+    <cs:lnRef idx="0">
+      <cs:styleClr val="auto"/>
+    </cs:lnRef>
+    <cs:fillRef idx="1">
+      <cs:styleClr val="auto"/>
+    </cs:fillRef>
+    <cs:effectRef idx="0"/>
+    <cs:fontRef idx="minor">
+      <a:schemeClr val="tx1"/>
+    </cs:fontRef>
+    <cs:spPr>
+      <a:ln w="9525">
+        <a:solidFill>
+          <a:schemeClr val="phClr"/>
+        </a:solidFill>
+      </a:ln>
+    </cs:spPr>
+  </cs:dataPointMarker>
+  <cs:dataPointMarkerLayout symbol="circle" size="5"/>
+  <cs:dataPointWireframe>
+    <cs:lnRef idx="0">
+      <cs:styleClr val="auto"/>
+    </cs:lnRef>
+    <cs:fillRef idx="1"/>
+    <cs:effectRef idx="0"/>
+    <cs:fontRef idx="minor">
+      <a:schemeClr val="tx1"/>
+    </cs:fontRef>
+    <cs:spPr>
+      <a:ln w="9525" cap="rnd">
+        <a:solidFill>
+          <a:schemeClr val="phClr"/>
+        </a:solidFill>
+        <a:round/>
+      </a:ln>
+    </cs:spPr>
+  </cs:dataPointWireframe>
+  <cs:dataTable>
+    <cs:lnRef idx="0"/>
+    <cs:fillRef idx="0"/>
+    <cs:effectRef idx="0"/>
+    <cs:fontRef idx="minor">
+      <a:schemeClr val="tx1">
+        <a:lumMod val="65000"/>
+        <a:lumOff val="35000"/>
+      </a:schemeClr>
+    </cs:fontRef>
+    <cs:spPr>
+      <a:noFill/>
+      <a:ln w="9525" cap="flat" cmpd="sng" algn="ctr">
+        <a:solidFill>
+          <a:schemeClr val="tx1">
+            <a:lumMod val="15000"/>
+            <a:lumOff val="85000"/>
+          </a:schemeClr>
+        </a:solidFill>
+        <a:round/>
+      </a:ln>
+    </cs:spPr>
+    <cs:defRPr sz="900" kern="1200"/>
+  </cs:dataTable>
+  <cs:downBar>
+    <cs:lnRef idx="0"/>
+    <cs:fillRef idx="0"/>
+    <cs:effectRef idx="0"/>
+    <cs:fontRef idx="minor">
+      <a:schemeClr val="dk1"/>
+    </cs:fontRef>
+    <cs:spPr>
+      <a:solidFill>
+        <a:schemeClr val="dk1">
+          <a:lumMod val="65000"/>
+          <a:lumOff val="35000"/>
+        </a:schemeClr>
+      </a:solidFill>
+      <a:ln w="9525">
+        <a:solidFill>
+          <a:schemeClr val="tx1">
+            <a:lumMod val="65000"/>
+            <a:lumOff val="35000"/>
+          </a:schemeClr>
+        </a:solidFill>
+      </a:ln>
+    </cs:spPr>
+  </cs:downBar>
+  <cs:dropLine>
+    <cs:lnRef idx="0"/>
+    <cs:fillRef idx="0"/>
+    <cs:effectRef idx="0"/>
+    <cs:fontRef idx="minor">
+      <a:schemeClr val="tx1"/>
+    </cs:fontRef>
+    <cs:spPr>
+      <a:ln w="9525" cap="flat" cmpd="sng" algn="ctr">
+        <a:solidFill>
+          <a:schemeClr val="tx1">
+            <a:lumMod val="35000"/>
+            <a:lumOff val="65000"/>
+          </a:schemeClr>
+        </a:solidFill>
+        <a:round/>
+      </a:ln>
+    </cs:spPr>
+  </cs:dropLine>
+  <cs:errorBar>
+    <cs:lnRef idx="0"/>
+    <cs:fillRef idx="0"/>
+    <cs:effectRef idx="0"/>
+    <cs:fontRef idx="minor">
+      <a:schemeClr val="tx1"/>
+    </cs:fontRef>
+    <cs:spPr>
+      <a:ln w="9525" cap="flat" cmpd="sng" algn="ctr">
+        <a:solidFill>
+          <a:schemeClr val="tx1">
+            <a:lumMod val="65000"/>
+            <a:lumOff val="35000"/>
+          </a:schemeClr>
+        </a:solidFill>
+        <a:round/>
+      </a:ln>
+    </cs:spPr>
+  </cs:errorBar>
+  <cs:floor>
+    <cs:lnRef idx="0"/>
+    <cs:fillRef idx="0"/>
+    <cs:effectRef idx="0"/>
+    <cs:fontRef idx="minor">
+      <a:schemeClr val="tx1"/>
+    </cs:fontRef>
+    <cs:spPr>
+      <a:noFill/>
+      <a:ln>
+        <a:noFill/>
+      </a:ln>
+    </cs:spPr>
+  </cs:floor>
+  <cs:gridlineMajor>
+    <cs:lnRef idx="0"/>
+    <cs:fillRef idx="0"/>
+    <cs:effectRef idx="0"/>
+    <cs:fontRef idx="minor">
+      <a:schemeClr val="tx1"/>
+    </cs:fontRef>
+    <cs:spPr>
+      <a:ln w="9525" cap="flat" cmpd="sng" algn="ctr">
+        <a:solidFill>
+          <a:schemeClr val="tx1">
+            <a:lumMod val="15000"/>
+            <a:lumOff val="85000"/>
+          </a:schemeClr>
+        </a:solidFill>
+        <a:round/>
+      </a:ln>
+    </cs:spPr>
+  </cs:gridlineMajor>
+  <cs:gridlineMinor>
+    <cs:lnRef idx="0"/>
+    <cs:fillRef idx="0"/>
+    <cs:effectRef idx="0"/>
+    <cs:fontRef idx="minor">
+      <a:schemeClr val="tx1"/>
+    </cs:fontRef>
+    <cs:spPr>
+      <a:ln w="9525" cap="flat" cmpd="sng" algn="ctr">
+        <a:solidFill>
+          <a:schemeClr val="tx1">
+            <a:lumMod val="5000"/>
+            <a:lumOff val="95000"/>
+          </a:schemeClr>
+        </a:solidFill>
+        <a:round/>
+      </a:ln>
+    </cs:spPr>
+  </cs:gridlineMinor>
+  <cs:hiLoLine>
+    <cs:lnRef idx="0"/>
+    <cs:fillRef idx="0"/>
+    <cs:effectRef idx="0"/>
+    <cs:fontRef idx="minor">
+      <a:schemeClr val="tx1"/>
+    </cs:fontRef>
+    <cs:spPr>
+      <a:ln w="9525" cap="flat" cmpd="sng" algn="ctr">
+        <a:solidFill>
+          <a:schemeClr val="tx1">
+            <a:lumMod val="75000"/>
+            <a:lumOff val="25000"/>
+          </a:schemeClr>
+        </a:solidFill>
+        <a:round/>
+      </a:ln>
+    </cs:spPr>
+  </cs:hiLoLine>
+  <cs:leaderLine>
+    <cs:lnRef idx="0"/>
+    <cs:fillRef idx="0"/>
+    <cs:effectRef idx="0"/>
+    <cs:fontRef idx="minor">
+      <a:schemeClr val="tx1"/>
+    </cs:fontRef>
+    <cs:spPr>
+      <a:ln w="9525" cap="flat" cmpd="sng" algn="ctr">
+        <a:solidFill>
+          <a:schemeClr val="tx1">
+            <a:lumMod val="35000"/>
+            <a:lumOff val="65000"/>
+          </a:schemeClr>
+        </a:solidFill>
+        <a:round/>
+      </a:ln>
+    </cs:spPr>
+  </cs:leaderLine>
+  <cs:legend>
+    <cs:lnRef idx="0"/>
+    <cs:fillRef idx="0"/>
+    <cs:effectRef idx="0"/>
+    <cs:fontRef idx="minor">
+      <a:schemeClr val="tx1">
+        <a:lumMod val="65000"/>
+        <a:lumOff val="35000"/>
+      </a:schemeClr>
+    </cs:fontRef>
+    <cs:defRPr sz="900" kern="1200"/>
+  </cs:legend>
+  <cs:plotArea mods="allowNoFillOverride allowNoLineOverride">
+    <cs:lnRef idx="0"/>
+    <cs:fillRef idx="0"/>
+    <cs:effectRef idx="0"/>
+    <cs:fontRef idx="minor">
+      <a:schemeClr val="tx1"/>
+    </cs:fontRef>
+  </cs:plotArea>
+  <cs:plotArea3D mods="allowNoFillOverride allowNoLineOverride">
+    <cs:lnRef idx="0"/>
+    <cs:fillRef idx="0"/>
+    <cs:effectRef idx="0"/>
+    <cs:fontRef idx="minor">
+      <a:schemeClr val="tx1"/>
+    </cs:fontRef>
+  </cs:plotArea3D>
+  <cs:seriesAxis>
+    <cs:lnRef idx="0"/>
+    <cs:fillRef idx="0"/>
+    <cs:effectRef idx="0"/>
+    <cs:fontRef idx="minor">
+      <a:schemeClr val="tx1">
+        <a:lumMod val="65000"/>
+        <a:lumOff val="35000"/>
+      </a:schemeClr>
+    </cs:fontRef>
+    <cs:defRPr sz="900" kern="1200"/>
+  </cs:seriesAxis>
+  <cs:seriesLine>
+    <cs:lnRef idx="0"/>
+    <cs:fillRef idx="0"/>
+    <cs:effectRef idx="0"/>
+    <cs:fontRef idx="minor">
+      <a:schemeClr val="tx1"/>
+    </cs:fontRef>
+    <cs:spPr>
+      <a:ln w="9525" cap="flat" cmpd="sng" algn="ctr">
+        <a:solidFill>
+          <a:schemeClr val="tx1">
+            <a:lumMod val="35000"/>
+            <a:lumOff val="65000"/>
+          </a:schemeClr>
+        </a:solidFill>
+        <a:round/>
+      </a:ln>
+    </cs:spPr>
+  </cs:seriesLine>
+  <cs:title>
+    <cs:lnRef idx="0"/>
+    <cs:fillRef idx="0"/>
+    <cs:effectRef idx="0"/>
+    <cs:fontRef idx="minor">
+      <a:schemeClr val="tx1">
+        <a:lumMod val="65000"/>
+        <a:lumOff val="35000"/>
+      </a:schemeClr>
+    </cs:fontRef>
+    <cs:defRPr sz="1400" b="0" kern="1200" spc="0" baseline="0"/>
+  </cs:title>
+  <cs:trendline>
+    <cs:lnRef idx="0">
+      <cs:styleClr val="auto"/>
+    </cs:lnRef>
+    <cs:fillRef idx="0"/>
+    <cs:effectRef idx="0"/>
+    <cs:fontRef idx="minor">
+      <a:schemeClr val="tx1"/>
+    </cs:fontRef>
+    <cs:spPr>
+      <a:ln w="19050" cap="rnd">
+        <a:solidFill>
+          <a:schemeClr val="phClr"/>
+        </a:solidFill>
+        <a:prstDash val="sysDot"/>
+      </a:ln>
+    </cs:spPr>
+  </cs:trendline>
+  <cs:trendlineLabel>
+    <cs:lnRef idx="0"/>
+    <cs:fillRef idx="0"/>
+    <cs:effectRef idx="0"/>
+    <cs:fontRef idx="minor">
+      <a:schemeClr val="tx1">
+        <a:lumMod val="65000"/>
+        <a:lumOff val="35000"/>
+      </a:schemeClr>
+    </cs:fontRef>
+    <cs:defRPr sz="900" kern="1200"/>
+  </cs:trendlineLabel>
+  <cs:upBar>
+    <cs:lnRef idx="0"/>
+    <cs:fillRef idx="0"/>
+    <cs:effectRef idx="0"/>
+    <cs:fontRef idx="minor">
+      <a:schemeClr val="dk1"/>
+    </cs:fontRef>
+    <cs:spPr>
+      <a:solidFill>
+        <a:schemeClr val="lt1"/>
+      </a:solidFill>
+      <a:ln w="9525">
+        <a:solidFill>
+          <a:schemeClr val="tx1">
+            <a:lumMod val="15000"/>
+            <a:lumOff val="85000"/>
+          </a:schemeClr>
+        </a:solidFill>
+      </a:ln>
+    </cs:spPr>
+  </cs:upBar>
+  <cs:valueAxis>
+    <cs:lnRef idx="0"/>
+    <cs:fillRef idx="0"/>
+    <cs:effectRef idx="0"/>
+    <cs:fontRef idx="minor">
+      <a:schemeClr val="tx1">
+        <a:lumMod val="65000"/>
+        <a:lumOff val="35000"/>
+      </a:schemeClr>
+    </cs:fontRef>
+    <cs:defRPr sz="900" kern="1200"/>
+  </cs:valueAxis>
+  <cs:wall>
+    <cs:lnRef idx="0"/>
+    <cs:fillRef idx="0"/>
+    <cs:effectRef idx="0"/>
+    <cs:fontRef idx="minor">
+      <a:schemeClr val="tx1"/>
+    </cs:fontRef>
+    <cs:spPr>
+      <a:noFill/>
+      <a:ln>
+        <a:noFill/>
+      </a:ln>
+    </cs:spPr>
+  </cs:wall>
+</cs:chartStyle>
 </file>
 
 <file path=ppt/slideLayouts/slideLayout1.xml><?xml version="1.0" encoding="utf-8"?>
@@ -358,7 +1259,7 @@
           <a:p>
             <a:fld id="{3CABF19A-1093-4261-9F38-B34266B78ADF}" type="datetimeFigureOut">
               <a:rPr lang="ru-RU" smtClean="0"/>
-              <a:t>04.06.2020</a:t>
+              <a:t>30.06.2020</a:t>
             </a:fld>
             <a:endParaRPr lang="ru-RU"/>
           </a:p>
@@ -696,7 +1597,7 @@
           <a:p>
             <a:fld id="{3CABF19A-1093-4261-9F38-B34266B78ADF}" type="datetimeFigureOut">
               <a:rPr lang="ru-RU" smtClean="0"/>
-              <a:t>04.06.2020</a:t>
+              <a:t>30.06.2020</a:t>
             </a:fld>
             <a:endParaRPr lang="ru-RU"/>
           </a:p>
@@ -1097,7 +1998,7 @@
           <a:p>
             <a:fld id="{3CABF19A-1093-4261-9F38-B34266B78ADF}" type="datetimeFigureOut">
               <a:rPr lang="ru-RU" smtClean="0"/>
-              <a:t>04.06.2020</a:t>
+              <a:t>30.06.2020</a:t>
             </a:fld>
             <a:endParaRPr lang="ru-RU"/>
           </a:p>
@@ -1433,7 +2334,7 @@
           <a:p>
             <a:fld id="{3CABF19A-1093-4261-9F38-B34266B78ADF}" type="datetimeFigureOut">
               <a:rPr lang="ru-RU" smtClean="0"/>
-              <a:t>04.06.2020</a:t>
+              <a:t>30.06.2020</a:t>
             </a:fld>
             <a:endParaRPr lang="ru-RU"/>
           </a:p>
@@ -1753,7 +2654,7 @@
           <a:p>
             <a:fld id="{3CABF19A-1093-4261-9F38-B34266B78ADF}" type="datetimeFigureOut">
               <a:rPr lang="ru-RU" smtClean="0"/>
-              <a:t>04.06.2020</a:t>
+              <a:t>30.06.2020</a:t>
             </a:fld>
             <a:endParaRPr lang="ru-RU"/>
           </a:p>
@@ -2149,7 +3050,7 @@
           <a:p>
             <a:fld id="{3CABF19A-1093-4261-9F38-B34266B78ADF}" type="datetimeFigureOut">
               <a:rPr lang="ru-RU" smtClean="0"/>
-              <a:t>04.06.2020</a:t>
+              <a:t>30.06.2020</a:t>
             </a:fld>
             <a:endParaRPr lang="ru-RU"/>
           </a:p>
@@ -2406,7 +3307,7 @@
           <a:p>
             <a:fld id="{3CABF19A-1093-4261-9F38-B34266B78ADF}" type="datetimeFigureOut">
               <a:rPr lang="ru-RU" smtClean="0"/>
-              <a:t>04.06.2020</a:t>
+              <a:t>30.06.2020</a:t>
             </a:fld>
             <a:endParaRPr lang="ru-RU"/>
           </a:p>
@@ -2668,7 +3569,7 @@
           <a:p>
             <a:fld id="{3CABF19A-1093-4261-9F38-B34266B78ADF}" type="datetimeFigureOut">
               <a:rPr lang="ru-RU" smtClean="0"/>
-              <a:t>04.06.2020</a:t>
+              <a:t>30.06.2020</a:t>
             </a:fld>
             <a:endParaRPr lang="ru-RU"/>
           </a:p>
@@ -2930,7 +3831,7 @@
           <a:p>
             <a:fld id="{3CABF19A-1093-4261-9F38-B34266B78ADF}" type="datetimeFigureOut">
               <a:rPr lang="ru-RU" smtClean="0"/>
-              <a:t>04.06.2020</a:t>
+              <a:t>30.06.2020</a:t>
             </a:fld>
             <a:endParaRPr lang="ru-RU"/>
           </a:p>
@@ -3259,7 +4160,7 @@
           <a:p>
             <a:fld id="{3CABF19A-1093-4261-9F38-B34266B78ADF}" type="datetimeFigureOut">
               <a:rPr lang="ru-RU" smtClean="0"/>
-              <a:t>04.06.2020</a:t>
+              <a:t>30.06.2020</a:t>
             </a:fld>
             <a:endParaRPr lang="ru-RU"/>
           </a:p>
@@ -3582,7 +4483,7 @@
           <a:p>
             <a:fld id="{3CABF19A-1093-4261-9F38-B34266B78ADF}" type="datetimeFigureOut">
               <a:rPr lang="ru-RU" smtClean="0"/>
-              <a:t>04.06.2020</a:t>
+              <a:t>30.06.2020</a:t>
             </a:fld>
             <a:endParaRPr lang="ru-RU"/>
           </a:p>
@@ -4039,7 +4940,7 @@
           <a:p>
             <a:fld id="{3CABF19A-1093-4261-9F38-B34266B78ADF}" type="datetimeFigureOut">
               <a:rPr lang="ru-RU" smtClean="0"/>
-              <a:t>04.06.2020</a:t>
+              <a:t>30.06.2020</a:t>
             </a:fld>
             <a:endParaRPr lang="ru-RU"/>
           </a:p>
@@ -4244,7 +5145,7 @@
           <a:p>
             <a:fld id="{3CABF19A-1093-4261-9F38-B34266B78ADF}" type="datetimeFigureOut">
               <a:rPr lang="ru-RU" smtClean="0"/>
-              <a:t>04.06.2020</a:t>
+              <a:t>30.06.2020</a:t>
             </a:fld>
             <a:endParaRPr lang="ru-RU"/>
           </a:p>
@@ -4421,7 +5322,7 @@
           <a:p>
             <a:fld id="{3CABF19A-1093-4261-9F38-B34266B78ADF}" type="datetimeFigureOut">
               <a:rPr lang="ru-RU" smtClean="0"/>
-              <a:t>04.06.2020</a:t>
+              <a:t>30.06.2020</a:t>
             </a:fld>
             <a:endParaRPr lang="ru-RU"/>
           </a:p>
@@ -4754,7 +5655,7 @@
           <a:p>
             <a:fld id="{3CABF19A-1093-4261-9F38-B34266B78ADF}" type="datetimeFigureOut">
               <a:rPr lang="ru-RU" smtClean="0"/>
-              <a:t>04.06.2020</a:t>
+              <a:t>30.06.2020</a:t>
             </a:fld>
             <a:endParaRPr lang="ru-RU"/>
           </a:p>
@@ -5099,7 +6000,7 @@
           <a:p>
             <a:fld id="{3CABF19A-1093-4261-9F38-B34266B78ADF}" type="datetimeFigureOut">
               <a:rPr lang="ru-RU" smtClean="0"/>
-              <a:t>04.06.2020</a:t>
+              <a:t>30.06.2020</a:t>
             </a:fld>
             <a:endParaRPr lang="ru-RU"/>
           </a:p>
@@ -7216,7 +8117,7 @@
           <a:p>
             <a:fld id="{3CABF19A-1093-4261-9F38-B34266B78ADF}" type="datetimeFigureOut">
               <a:rPr lang="ru-RU" smtClean="0"/>
-              <a:t>04.06.2020</a:t>
+              <a:t>30.06.2020</a:t>
             </a:fld>
             <a:endParaRPr lang="ru-RU"/>
           </a:p>
@@ -7746,12 +8647,18 @@
         </p:nvSpPr>
         <p:spPr/>
         <p:txBody>
-          <a:bodyPr/>
+          <a:bodyPr>
+            <a:normAutofit fontScale="90000"/>
+          </a:bodyPr>
           <a:lstStyle/>
           <a:p>
             <a:r>
               <a:rPr lang="ru-RU" dirty="0" smtClean="0"/>
-              <a:t>Прогнозирование стоимости дома</a:t>
+              <a:t>Прогнозирование стоимости </a:t>
+            </a:r>
+            <a:r>
+              <a:rPr lang="ru-RU" dirty="0" smtClean="0"/>
+              <a:t>дома для агентства недвижимости</a:t>
             </a:r>
             <a:endParaRPr lang="ru-RU" dirty="0"/>
           </a:p>
@@ -7798,59 +8705,13 @@
   <p:clrMapOvr>
     <a:masterClrMapping/>
   </p:clrMapOvr>
-</p:sld>
-</file>
-
-<file path=ppt/slides/slide10.xml><?xml version="1.0" encoding="utf-8"?>
-<p:sld xmlns:a="http://schemas.openxmlformats.org/drawingml/2006/main" xmlns:r="http://schemas.openxmlformats.org/officeDocument/2006/relationships" xmlns:p="http://schemas.openxmlformats.org/presentationml/2006/main">
-  <p:cSld>
-    <p:spTree>
-      <p:nvGrpSpPr>
-        <p:cNvPr id="1" name=""/>
-        <p:cNvGrpSpPr/>
-        <p:nvPr/>
-      </p:nvGrpSpPr>
-      <p:grpSpPr>
-        <a:xfrm>
-          <a:off x="0" y="0"/>
-          <a:ext cx="0" cy="0"/>
-          <a:chOff x="0" y="0"/>
-          <a:chExt cx="0" cy="0"/>
-        </a:xfrm>
-      </p:grpSpPr>
-      <p:sp>
-        <p:nvSpPr>
-          <p:cNvPr id="4" name="Заголовок 3"/>
-          <p:cNvSpPr>
-            <a:spLocks noGrp="1"/>
-          </p:cNvSpPr>
-          <p:nvPr>
-            <p:ph type="title"/>
-          </p:nvPr>
-        </p:nvSpPr>
-        <p:spPr/>
-        <p:txBody>
-          <a:bodyPr/>
-          <a:lstStyle/>
-          <a:p>
-            <a:r>
-              <a:rPr lang="ru-RU" dirty="0" smtClean="0"/>
-              <a:t>Спасибо за внимание!</a:t>
-            </a:r>
-            <a:endParaRPr lang="ru-RU" dirty="0"/>
-          </a:p>
-        </p:txBody>
-      </p:sp>
-    </p:spTree>
-    <p:extLst>
-      <p:ext uri="{BB962C8B-B14F-4D97-AF65-F5344CB8AC3E}">
-        <p14:creationId xmlns:p14="http://schemas.microsoft.com/office/powerpoint/2010/main" val="3622643048"/>
-      </p:ext>
-    </p:extLst>
-  </p:cSld>
-  <p:clrMapOvr>
-    <a:masterClrMapping/>
-  </p:clrMapOvr>
+  <p:timing>
+    <p:tnLst>
+      <p:par>
+        <p:cTn id="1" dur="indefinite" restart="never" nodeType="tmRoot"/>
+      </p:par>
+    </p:tnLst>
+  </p:timing>
 </p:sld>
 </file>
 
@@ -7888,43 +8749,285 @@
           <a:p>
             <a:r>
               <a:rPr lang="ru-RU" dirty="0" smtClean="0"/>
-              <a:t>Цель и задача</a:t>
+              <a:t>Агентство недвижимости</a:t>
             </a:r>
             <a:endParaRPr lang="ru-RU" dirty="0"/>
           </a:p>
         </p:txBody>
       </p:sp>
-      <p:sp>
-        <p:nvSpPr>
-          <p:cNvPr id="3" name="Объект 2"/>
-          <p:cNvSpPr>
-            <a:spLocks noGrp="1"/>
-          </p:cNvSpPr>
-          <p:nvPr>
-            <p:ph idx="1"/>
-          </p:nvPr>
-        </p:nvSpPr>
-        <p:spPr/>
-        <p:txBody>
-          <a:bodyPr>
-            <a:normAutofit/>
+      <p:pic>
+        <p:nvPicPr>
+          <p:cNvPr id="1028" name="Picture 4" descr="https://www.bmgmoney.com/wp-content/uploads/2018/09/652.jpg"/>
+          <p:cNvPicPr>
+            <a:picLocks noChangeAspect="1" noChangeArrowheads="1"/>
+          </p:cNvPicPr>
+          <p:nvPr/>
+        </p:nvPicPr>
+        <p:blipFill>
+          <a:blip r:embed="rId2" cstate="print">
+            <a:extLst>
+              <a:ext uri="{28A0092B-C50C-407E-A947-70E740481C1C}">
+                <a14:useLocalDpi xmlns:a14="http://schemas.microsoft.com/office/drawing/2010/main" val="0"/>
+              </a:ext>
+            </a:extLst>
+          </a:blip>
+          <a:srcRect/>
+          <a:stretch>
+            <a:fillRect/>
+          </a:stretch>
+        </p:blipFill>
+        <p:spPr bwMode="auto">
+          <a:xfrm flipH="1">
+            <a:off x="8817510" y="2359025"/>
+            <a:ext cx="1993900" cy="1993900"/>
+          </a:xfrm>
+          <a:prstGeom prst="rect">
+            <a:avLst/>
+          </a:prstGeom>
+          <a:noFill/>
+          <a:extLst>
+            <a:ext uri="{909E8E84-426E-40DD-AFC4-6F175D3DCCD1}">
+              <a14:hiddenFill xmlns:a14="http://schemas.microsoft.com/office/drawing/2010/main">
+                <a:solidFill>
+                  <a:srgbClr val="FFFFFF"/>
+                </a:solidFill>
+              </a14:hiddenFill>
+            </a:ext>
+          </a:extLst>
+        </p:spPr>
+      </p:pic>
+      <p:pic>
+        <p:nvPicPr>
+          <p:cNvPr id="1030" name="Picture 6" descr="https://i.pinimg.com/originals/1d/7b/47/1d7b473a65f0ec69f4fd1f9c60e6e5a8.jpg"/>
+          <p:cNvPicPr>
+            <a:picLocks noChangeAspect="1" noChangeArrowheads="1"/>
+          </p:cNvPicPr>
+          <p:nvPr/>
+        </p:nvPicPr>
+        <p:blipFill>
+          <a:blip r:embed="rId3" cstate="print">
+            <a:extLst>
+              <a:ext uri="{28A0092B-C50C-407E-A947-70E740481C1C}">
+                <a14:useLocalDpi xmlns:a14="http://schemas.microsoft.com/office/drawing/2010/main" val="0"/>
+              </a:ext>
+            </a:extLst>
+          </a:blip>
+          <a:srcRect/>
+          <a:stretch>
+            <a:fillRect/>
+          </a:stretch>
+        </p:blipFill>
+        <p:spPr bwMode="auto">
+          <a:xfrm flipH="1">
+            <a:off x="2359025" y="2359025"/>
+            <a:ext cx="1993900" cy="1993900"/>
+          </a:xfrm>
+          <a:prstGeom prst="rect">
+            <a:avLst/>
+          </a:prstGeom>
+          <a:noFill/>
+          <a:extLst>
+            <a:ext uri="{909E8E84-426E-40DD-AFC4-6F175D3DCCD1}">
+              <a14:hiddenFill xmlns:a14="http://schemas.microsoft.com/office/drawing/2010/main">
+                <a:solidFill>
+                  <a:srgbClr val="FFFFFF"/>
+                </a:solidFill>
+              </a14:hiddenFill>
+            </a:ext>
+          </a:extLst>
+        </p:spPr>
+      </p:pic>
+      <p:sp>
+        <p:nvSpPr>
+          <p:cNvPr id="6" name="TextBox 5"/>
+          <p:cNvSpPr txBox="1"/>
+          <p:nvPr/>
+        </p:nvSpPr>
+        <p:spPr>
+          <a:xfrm>
+            <a:off x="2592925" y="4676775"/>
+            <a:ext cx="1588550" cy="369332"/>
+          </a:xfrm>
+          <a:prstGeom prst="rect">
+            <a:avLst/>
+          </a:prstGeom>
+          <a:noFill/>
+        </p:spPr>
+        <p:txBody>
+          <a:bodyPr wrap="square" rtlCol="0">
+            <a:spAutoFit/>
           </a:bodyPr>
           <a:lstStyle/>
           <a:p>
             <a:r>
-              <a:rPr lang="ru-RU" sz="2800" dirty="0" smtClean="0"/>
-              <a:t>Цель: Как можно точнее предсказать стоимость дома на основе его характеристик</a:t>
-            </a:r>
-          </a:p>
-          <a:p>
-            <a:endParaRPr lang="ru-RU" sz="2800" dirty="0"/>
-          </a:p>
-          <a:p>
-            <a:r>
-              <a:rPr lang="ru-RU" sz="2800" dirty="0" smtClean="0"/>
-              <a:t>Задача: Разработать сервис для прогнозирования стоимости дома</a:t>
-            </a:r>
-            <a:endParaRPr lang="ru-RU" sz="2800" dirty="0"/>
+              <a:rPr lang="ru-RU" dirty="0" err="1" smtClean="0"/>
+              <a:t>Риэлтор</a:t>
+            </a:r>
+            <a:endParaRPr lang="ru-RU" dirty="0"/>
+          </a:p>
+        </p:txBody>
+      </p:sp>
+      <p:sp>
+        <p:nvSpPr>
+          <p:cNvPr id="7" name="TextBox 6"/>
+          <p:cNvSpPr txBox="1"/>
+          <p:nvPr/>
+        </p:nvSpPr>
+        <p:spPr>
+          <a:xfrm>
+            <a:off x="8817510" y="4538275"/>
+            <a:ext cx="2428875" cy="646331"/>
+          </a:xfrm>
+          <a:prstGeom prst="rect">
+            <a:avLst/>
+          </a:prstGeom>
+          <a:noFill/>
+        </p:spPr>
+        <p:txBody>
+          <a:bodyPr wrap="square" rtlCol="0">
+            <a:spAutoFit/>
+          </a:bodyPr>
+          <a:lstStyle/>
+          <a:p>
+            <a:r>
+              <a:rPr lang="ru-RU" dirty="0" smtClean="0"/>
+              <a:t>Купля-продажа дома</a:t>
+            </a:r>
+            <a:endParaRPr lang="ru-RU" dirty="0"/>
+          </a:p>
+        </p:txBody>
+      </p:sp>
+      <p:sp>
+        <p:nvSpPr>
+          <p:cNvPr id="11" name="TextBox 10"/>
+          <p:cNvSpPr txBox="1"/>
+          <p:nvPr/>
+        </p:nvSpPr>
+        <p:spPr>
+          <a:xfrm>
+            <a:off x="4882691" y="2694235"/>
+            <a:ext cx="3405052" cy="646331"/>
+          </a:xfrm>
+          <a:prstGeom prst="rect">
+            <a:avLst/>
+          </a:prstGeom>
+          <a:noFill/>
+        </p:spPr>
+        <p:txBody>
+          <a:bodyPr wrap="square" rtlCol="0">
+            <a:spAutoFit/>
+          </a:bodyPr>
+          <a:lstStyle/>
+          <a:p>
+            <a:r>
+              <a:rPr lang="ru-RU" dirty="0" smtClean="0"/>
+              <a:t>Оценивает стоимость</a:t>
+            </a:r>
+            <a:br>
+              <a:rPr lang="ru-RU" dirty="0" smtClean="0"/>
+            </a:br>
+            <a:r>
+              <a:rPr lang="ru-RU" dirty="0" smtClean="0"/>
+              <a:t>Сопровождает сделку</a:t>
+            </a:r>
+            <a:endParaRPr lang="ru-RU" dirty="0"/>
+          </a:p>
+        </p:txBody>
+      </p:sp>
+      <p:cxnSp>
+        <p:nvCxnSpPr>
+          <p:cNvPr id="13" name="Прямая со стрелкой 12"/>
+          <p:cNvCxnSpPr/>
+          <p:nvPr/>
+        </p:nvCxnSpPr>
+        <p:spPr>
+          <a:xfrm flipH="1">
+            <a:off x="4562475" y="3706594"/>
+            <a:ext cx="3924300" cy="0"/>
+          </a:xfrm>
+          <a:prstGeom prst="straightConnector1">
+            <a:avLst/>
+          </a:prstGeom>
+          <a:ln>
+            <a:tailEnd type="triangle"/>
+          </a:ln>
+        </p:spPr>
+        <p:style>
+          <a:lnRef idx="1">
+            <a:schemeClr val="accent1"/>
+          </a:lnRef>
+          <a:fillRef idx="0">
+            <a:schemeClr val="accent1"/>
+          </a:fillRef>
+          <a:effectRef idx="0">
+            <a:schemeClr val="accent1"/>
+          </a:effectRef>
+          <a:fontRef idx="minor">
+            <a:schemeClr val="tx1"/>
+          </a:fontRef>
+        </p:style>
+      </p:cxnSp>
+      <p:cxnSp>
+        <p:nvCxnSpPr>
+          <p:cNvPr id="18" name="Прямая со стрелкой 17"/>
+          <p:cNvCxnSpPr/>
+          <p:nvPr/>
+        </p:nvCxnSpPr>
+        <p:spPr>
+          <a:xfrm flipH="1">
+            <a:off x="4562475" y="3017401"/>
+            <a:ext cx="3924300" cy="0"/>
+          </a:xfrm>
+          <a:prstGeom prst="straightConnector1">
+            <a:avLst/>
+          </a:prstGeom>
+          <a:ln>
+            <a:headEnd type="triangle"/>
+            <a:tailEnd type="none"/>
+          </a:ln>
+        </p:spPr>
+        <p:style>
+          <a:lnRef idx="1">
+            <a:schemeClr val="accent1"/>
+          </a:lnRef>
+          <a:fillRef idx="0">
+            <a:schemeClr val="accent1"/>
+          </a:fillRef>
+          <a:effectRef idx="0">
+            <a:schemeClr val="accent1"/>
+          </a:effectRef>
+          <a:fontRef idx="minor">
+            <a:schemeClr val="tx1"/>
+          </a:fontRef>
+        </p:style>
+      </p:cxnSp>
+      <p:sp>
+        <p:nvSpPr>
+          <p:cNvPr id="15" name="TextBox 14"/>
+          <p:cNvSpPr txBox="1"/>
+          <p:nvPr/>
+        </p:nvSpPr>
+        <p:spPr>
+          <a:xfrm>
+            <a:off x="5048059" y="3748754"/>
+            <a:ext cx="3604083" cy="646331"/>
+          </a:xfrm>
+          <a:prstGeom prst="rect">
+            <a:avLst/>
+          </a:prstGeom>
+          <a:noFill/>
+        </p:spPr>
+        <p:txBody>
+          <a:bodyPr wrap="square" rtlCol="0">
+            <a:spAutoFit/>
+          </a:bodyPr>
+          <a:lstStyle/>
+          <a:p>
+            <a:r>
+              <a:rPr lang="ru-RU" dirty="0" smtClean="0"/>
+              <a:t>Оплата: процент от стоимости дома</a:t>
+            </a:r>
+            <a:endParaRPr lang="ru-RU" dirty="0"/>
           </a:p>
         </p:txBody>
       </p:sp>
@@ -7938,6 +9041,13 @@
   <p:clrMapOvr>
     <a:masterClrMapping/>
   </p:clrMapOvr>
+  <p:timing>
+    <p:tnLst>
+      <p:par>
+        <p:cTn id="1" dur="indefinite" restart="never" nodeType="tmRoot"/>
+      </p:par>
+    </p:tnLst>
+  </p:timing>
 </p:sld>
 </file>
 
@@ -7975,121 +9085,202 @@
           <a:p>
             <a:r>
               <a:rPr lang="ru-RU" dirty="0" smtClean="0"/>
-              <a:t>Исходные данные</a:t>
+              <a:t>Определение стоимости дома</a:t>
             </a:r>
             <a:endParaRPr lang="ru-RU" dirty="0"/>
           </a:p>
         </p:txBody>
       </p:sp>
-      <p:sp>
-        <p:nvSpPr>
-          <p:cNvPr id="3" name="Объект 2"/>
-          <p:cNvSpPr>
-            <a:spLocks noGrp="1"/>
-          </p:cNvSpPr>
-          <p:nvPr>
-            <p:ph idx="1"/>
-          </p:nvPr>
-        </p:nvSpPr>
-        <p:spPr>
-          <a:xfrm>
-            <a:off x="2589212" y="1752600"/>
-            <a:ext cx="8915400" cy="4158622"/>
-          </a:xfrm>
-        </p:spPr>
-        <p:txBody>
-          <a:bodyPr>
-            <a:normAutofit fontScale="92500" lnSpcReduction="10000"/>
-          </a:bodyPr>
-          <a:lstStyle/>
-          <a:p>
-            <a:r>
-              <a:rPr lang="ru-RU" dirty="0" smtClean="0"/>
-              <a:t>Для создания модели был предоставлен набор данных</a:t>
-            </a:r>
-          </a:p>
-          <a:p>
-            <a:r>
-              <a:rPr lang="ru-RU" dirty="0" smtClean="0"/>
-              <a:t>Характеристики дома:</a:t>
-            </a:r>
-          </a:p>
-          <a:p>
-            <a:pPr lvl="1"/>
-            <a:r>
-              <a:rPr lang="ru-RU" dirty="0" smtClean="0"/>
-              <a:t>Статус продажи дома</a:t>
-            </a:r>
-          </a:p>
-          <a:p>
-            <a:pPr lvl="1"/>
-            <a:r>
-              <a:rPr lang="ru-RU" dirty="0" smtClean="0"/>
-              <a:t>Тип дома (дом на одну семью, многоквартирный и т.д.)</a:t>
-            </a:r>
-          </a:p>
-          <a:p>
-            <a:pPr lvl="1"/>
-            <a:r>
-              <a:rPr lang="ru-RU" dirty="0" smtClean="0"/>
-              <a:t>Адрес (почтовый индекс, штат, город, улица, номер дома)</a:t>
-            </a:r>
-          </a:p>
-          <a:p>
-            <a:pPr lvl="1"/>
-            <a:r>
-              <a:rPr lang="ru-RU" dirty="0" smtClean="0"/>
-              <a:t>Площадь (в кв. футах)</a:t>
-            </a:r>
-          </a:p>
-          <a:p>
-            <a:pPr lvl="1"/>
-            <a:r>
-              <a:rPr lang="ru-RU" dirty="0" smtClean="0"/>
-              <a:t>Общие сведения о доме (год постройки, стоимость 1 кв. фута, наличие парковки и т.д.)</a:t>
-            </a:r>
-          </a:p>
-          <a:p>
-            <a:pPr lvl="1"/>
-            <a:r>
-              <a:rPr lang="ru-RU" dirty="0" smtClean="0"/>
-              <a:t>Информация о составляющих дома (бассейн, отопление, количество ванных комнат и спален, камин, количество этажей)</a:t>
-            </a:r>
-          </a:p>
-          <a:p>
-            <a:pPr lvl="1"/>
-            <a:r>
-              <a:rPr lang="ru-RU" dirty="0" smtClean="0"/>
-              <a:t>Информация о близлежащих школах (рейтинг, дистанция, классы обучения)</a:t>
-            </a:r>
-          </a:p>
-          <a:p>
-            <a:pPr lvl="1"/>
-            <a:r>
-              <a:rPr lang="ru-RU" dirty="0" smtClean="0"/>
-              <a:t>Идентификатор дома</a:t>
-            </a:r>
-          </a:p>
-          <a:p>
-            <a:pPr lvl="1"/>
-            <a:r>
-              <a:rPr lang="ru-RU" b="1" dirty="0" smtClean="0"/>
-              <a:t>Цена, по которой дом продается или же был продан</a:t>
-            </a:r>
-            <a:endParaRPr lang="ru-RU" b="1" dirty="0"/>
-          </a:p>
-        </p:txBody>
-      </p:sp>
+      <p:graphicFrame>
+        <p:nvGraphicFramePr>
+          <p:cNvPr id="4" name="Таблица 3"/>
+          <p:cNvGraphicFramePr>
+            <a:graphicFrameLocks noGrp="1"/>
+          </p:cNvGraphicFramePr>
+          <p:nvPr>
+            <p:extLst>
+              <p:ext uri="{D42A27DB-BD31-4B8C-83A1-F6EECF244321}">
+                <p14:modId xmlns:p14="http://schemas.microsoft.com/office/powerpoint/2010/main" val="3553466436"/>
+              </p:ext>
+            </p:extLst>
+          </p:nvPr>
+        </p:nvGraphicFramePr>
+        <p:xfrm>
+          <a:off x="2320232" y="2425148"/>
+          <a:ext cx="8836510" cy="2753138"/>
+        </p:xfrm>
+        <a:graphic>
+          <a:graphicData uri="http://schemas.openxmlformats.org/drawingml/2006/table">
+            <a:tbl>
+              <a:tblPr firstRow="1" bandRow="1">
+                <a:tableStyleId>{5C22544A-7EE6-4342-B048-85BDC9FD1C3A}</a:tableStyleId>
+              </a:tblPr>
+              <a:tblGrid>
+                <a:gridCol w="4450831">
+                  <a:extLst>
+                    <a:ext uri="{9D8B030D-6E8A-4147-A177-3AD203B41FA5}">
+                      <a16:colId xmlns:a16="http://schemas.microsoft.com/office/drawing/2014/main" val="1157292521"/>
+                    </a:ext>
+                  </a:extLst>
+                </a:gridCol>
+                <a:gridCol w="4385679">
+                  <a:extLst>
+                    <a:ext uri="{9D8B030D-6E8A-4147-A177-3AD203B41FA5}">
+                      <a16:colId xmlns:a16="http://schemas.microsoft.com/office/drawing/2014/main" val="1529353452"/>
+                    </a:ext>
+                  </a:extLst>
+                </a:gridCol>
+              </a:tblGrid>
+              <a:tr h="1099314">
+                <a:tc>
+                  <a:txBody>
+                    <a:bodyPr/>
+                    <a:lstStyle/>
+                    <a:p>
+                      <a:pPr algn="ctr">
+                        <a:lnSpc>
+                          <a:spcPct val="150000"/>
+                        </a:lnSpc>
+                      </a:pPr>
+                      <a:r>
+                        <a:rPr lang="ru-RU" dirty="0" smtClean="0"/>
+                        <a:t>Вариант определения</a:t>
+                      </a:r>
+                      <a:endParaRPr lang="ru-RU" dirty="0"/>
+                    </a:p>
+                  </a:txBody>
+                  <a:tcPr anchor="ctr"/>
+                </a:tc>
+                <a:tc>
+                  <a:txBody>
+                    <a:bodyPr/>
+                    <a:lstStyle/>
+                    <a:p>
+                      <a:pPr algn="ctr">
+                        <a:lnSpc>
+                          <a:spcPct val="150000"/>
+                        </a:lnSpc>
+                      </a:pPr>
+                      <a:r>
+                        <a:rPr lang="ru-RU" dirty="0" smtClean="0"/>
+                        <a:t>Отклонение</a:t>
+                      </a:r>
+                      <a:r>
+                        <a:rPr lang="ru-RU" baseline="0" dirty="0" smtClean="0"/>
+                        <a:t> от реальной стоимости дома</a:t>
+                      </a:r>
+                      <a:endParaRPr lang="ru-RU" dirty="0"/>
+                    </a:p>
+                  </a:txBody>
+                  <a:tcPr anchor="ctr"/>
+                </a:tc>
+                <a:extLst>
+                  <a:ext uri="{0D108BD9-81ED-4DB2-BD59-A6C34878D82A}">
+                    <a16:rowId xmlns:a16="http://schemas.microsoft.com/office/drawing/2014/main" val="4047518232"/>
+                  </a:ext>
+                </a:extLst>
+              </a:tr>
+              <a:tr h="826912">
+                <a:tc>
+                  <a:txBody>
+                    <a:bodyPr/>
+                    <a:lstStyle/>
+                    <a:p>
+                      <a:r>
+                        <a:rPr lang="ru-RU" dirty="0" smtClean="0"/>
+                        <a:t>Средняя</a:t>
+                      </a:r>
+                      <a:r>
+                        <a:rPr lang="ru-RU" baseline="0" dirty="0" smtClean="0"/>
+                        <a:t> стоимость всех ранее проданных домов</a:t>
+                      </a:r>
+                      <a:endParaRPr lang="ru-RU" dirty="0"/>
+                    </a:p>
+                  </a:txBody>
+                  <a:tcPr anchor="ctr"/>
+                </a:tc>
+                <a:tc>
+                  <a:txBody>
+                    <a:bodyPr/>
+                    <a:lstStyle/>
+                    <a:p>
+                      <a:pPr algn="ctr"/>
+                      <a:r>
+                        <a:rPr lang="ru-RU" dirty="0" smtClean="0"/>
+                        <a:t>83%</a:t>
+                      </a:r>
+                      <a:endParaRPr lang="ru-RU" dirty="0"/>
+                    </a:p>
+                  </a:txBody>
+                  <a:tcPr anchor="ctr"/>
+                </a:tc>
+                <a:extLst>
+                  <a:ext uri="{0D108BD9-81ED-4DB2-BD59-A6C34878D82A}">
+                    <a16:rowId xmlns:a16="http://schemas.microsoft.com/office/drawing/2014/main" val="1329577667"/>
+                  </a:ext>
+                </a:extLst>
+              </a:tr>
+              <a:tr h="826912">
+                <a:tc>
+                  <a:txBody>
+                    <a:bodyPr/>
+                    <a:lstStyle/>
+                    <a:p>
+                      <a:r>
+                        <a:rPr lang="ru-RU" dirty="0" smtClean="0"/>
+                        <a:t>Средняя стоимость проданных</a:t>
+                      </a:r>
+                      <a:r>
+                        <a:rPr lang="ru-RU" baseline="0" dirty="0" smtClean="0"/>
+                        <a:t> домов по району</a:t>
+                      </a:r>
+                      <a:endParaRPr lang="ru-RU" dirty="0"/>
+                    </a:p>
+                  </a:txBody>
+                  <a:tcPr anchor="ctr"/>
+                </a:tc>
+                <a:tc>
+                  <a:txBody>
+                    <a:bodyPr/>
+                    <a:lstStyle/>
+                    <a:p>
+                      <a:pPr algn="ctr"/>
+                      <a:r>
+                        <a:rPr lang="ru-RU" dirty="0" smtClean="0"/>
+                        <a:t>53%</a:t>
+                      </a:r>
+                      <a:endParaRPr lang="ru-RU" dirty="0"/>
+                    </a:p>
+                  </a:txBody>
+                  <a:tcPr anchor="ctr"/>
+                </a:tc>
+                <a:extLst>
+                  <a:ext uri="{0D108BD9-81ED-4DB2-BD59-A6C34878D82A}">
+                    <a16:rowId xmlns:a16="http://schemas.microsoft.com/office/drawing/2014/main" val="2828139541"/>
+                  </a:ext>
+                </a:extLst>
+              </a:tr>
+            </a:tbl>
+          </a:graphicData>
+        </a:graphic>
+      </p:graphicFrame>
     </p:spTree>
     <p:extLst>
       <p:ext uri="{BB962C8B-B14F-4D97-AF65-F5344CB8AC3E}">
-        <p14:creationId xmlns:p14="http://schemas.microsoft.com/office/powerpoint/2010/main" val="88385551"/>
+        <p14:creationId xmlns:p14="http://schemas.microsoft.com/office/powerpoint/2010/main" val="3435047765"/>
       </p:ext>
     </p:extLst>
   </p:cSld>
   <p:clrMapOvr>
     <a:masterClrMapping/>
   </p:clrMapOvr>
+  <p:timing>
+    <p:tnLst>
+      <p:par>
+        <p:cTn id="1" dur="indefinite" restart="never" nodeType="tmRoot"/>
+      </p:par>
+    </p:tnLst>
+  </p:timing>
 </p:sld>
 </file>
 
@@ -8127,7 +9318,7 @@
           <a:p>
             <a:r>
               <a:rPr lang="ru-RU" dirty="0" smtClean="0"/>
-              <a:t>Анализ данных</a:t>
+              <a:t>Постановка задачи</a:t>
             </a:r>
             <a:endParaRPr lang="ru-RU" dirty="0"/>
           </a:p>
@@ -8135,97 +9326,244 @@
       </p:sp>
       <p:sp>
         <p:nvSpPr>
-          <p:cNvPr id="3" name="Объект 2"/>
-          <p:cNvSpPr>
-            <a:spLocks noGrp="1"/>
-          </p:cNvSpPr>
-          <p:nvPr>
-            <p:ph idx="1"/>
-          </p:nvPr>
-        </p:nvSpPr>
-        <p:spPr/>
-        <p:txBody>
-          <a:bodyPr/>
+          <p:cNvPr id="4" name="Прямоугольник 3"/>
+          <p:cNvSpPr/>
+          <p:nvPr/>
+        </p:nvSpPr>
+        <p:spPr>
+          <a:xfrm>
+            <a:off x="2723321" y="1669773"/>
+            <a:ext cx="3140765" cy="1769166"/>
+          </a:xfrm>
+          <a:prstGeom prst="rect">
+            <a:avLst/>
+          </a:prstGeom>
+        </p:spPr>
+        <p:style>
+          <a:lnRef idx="2">
+            <a:schemeClr val="accent1">
+              <a:shade val="50000"/>
+            </a:schemeClr>
+          </a:lnRef>
+          <a:fillRef idx="1">
+            <a:schemeClr val="accent1"/>
+          </a:fillRef>
+          <a:effectRef idx="0">
+            <a:schemeClr val="accent1"/>
+          </a:effectRef>
+          <a:fontRef idx="minor">
+            <a:schemeClr val="lt1"/>
+          </a:fontRef>
+        </p:style>
+        <p:txBody>
+          <a:bodyPr rtlCol="0" anchor="ctr"/>
           <a:lstStyle/>
           <a:p>
             <a:r>
+              <a:rPr lang="ru-RU" dirty="0"/>
+              <a:t>Стоимость дома слишком </a:t>
+            </a:r>
+            <a:r>
+              <a:rPr lang="ru-RU" b="1" dirty="0"/>
+              <a:t>завышена</a:t>
+            </a:r>
+            <a:r>
+              <a:rPr lang="ru-RU" dirty="0"/>
+              <a:t>: сложно найти покупателя, дома продаются медленно</a:t>
+            </a:r>
+          </a:p>
+        </p:txBody>
+      </p:sp>
+      <p:sp>
+        <p:nvSpPr>
+          <p:cNvPr id="5" name="Прямоугольник 4"/>
+          <p:cNvSpPr/>
+          <p:nvPr/>
+        </p:nvSpPr>
+        <p:spPr>
+          <a:xfrm>
+            <a:off x="7663070" y="1669774"/>
+            <a:ext cx="3120886" cy="1769166"/>
+          </a:xfrm>
+          <a:prstGeom prst="rect">
+            <a:avLst/>
+          </a:prstGeom>
+        </p:spPr>
+        <p:style>
+          <a:lnRef idx="2">
+            <a:schemeClr val="accent1">
+              <a:shade val="50000"/>
+            </a:schemeClr>
+          </a:lnRef>
+          <a:fillRef idx="1">
+            <a:schemeClr val="accent1"/>
+          </a:fillRef>
+          <a:effectRef idx="0">
+            <a:schemeClr val="accent1"/>
+          </a:effectRef>
+          <a:fontRef idx="minor">
+            <a:schemeClr val="lt1"/>
+          </a:fontRef>
+        </p:style>
+        <p:txBody>
+          <a:bodyPr rtlCol="0" anchor="ctr"/>
+          <a:lstStyle/>
+          <a:p>
+            <a:r>
+              <a:rPr lang="ru-RU" dirty="0"/>
+              <a:t>Стоимость дома слишком </a:t>
+            </a:r>
+            <a:r>
+              <a:rPr lang="ru-RU" b="1" dirty="0"/>
+              <a:t>занижена</a:t>
+            </a:r>
+            <a:r>
+              <a:rPr lang="ru-RU" dirty="0"/>
+              <a:t>: оплата работы </a:t>
+            </a:r>
+            <a:r>
+              <a:rPr lang="ru-RU" dirty="0" err="1"/>
+              <a:t>риэлтора</a:t>
+            </a:r>
+            <a:r>
+              <a:rPr lang="ru-RU" dirty="0"/>
+              <a:t> тоже </a:t>
+            </a:r>
+            <a:r>
               <a:rPr lang="ru-RU" dirty="0" smtClean="0"/>
-              <a:t>В ходе анализа данных выявлено следующее:</a:t>
-            </a:r>
-          </a:p>
-          <a:p>
-            <a:pPr lvl="1"/>
+              <a:t>низкая</a:t>
+            </a:r>
+            <a:endParaRPr lang="ru-RU" dirty="0"/>
+          </a:p>
+        </p:txBody>
+      </p:sp>
+      <p:sp>
+        <p:nvSpPr>
+          <p:cNvPr id="7" name="Скругленный прямоугольник 6"/>
+          <p:cNvSpPr/>
+          <p:nvPr/>
+        </p:nvSpPr>
+        <p:spPr>
+          <a:xfrm>
+            <a:off x="4750905" y="4681330"/>
+            <a:ext cx="3975652" cy="1510748"/>
+          </a:xfrm>
+          <a:prstGeom prst="roundRect">
+            <a:avLst/>
+          </a:prstGeom>
+        </p:spPr>
+        <p:style>
+          <a:lnRef idx="2">
+            <a:schemeClr val="accent1">
+              <a:shade val="50000"/>
+            </a:schemeClr>
+          </a:lnRef>
+          <a:fillRef idx="1">
+            <a:schemeClr val="accent1"/>
+          </a:fillRef>
+          <a:effectRef idx="0">
+            <a:schemeClr val="accent1"/>
+          </a:effectRef>
+          <a:fontRef idx="minor">
+            <a:schemeClr val="lt1"/>
+          </a:fontRef>
+        </p:style>
+        <p:txBody>
+          <a:bodyPr rtlCol="0" anchor="ctr"/>
+          <a:lstStyle/>
+          <a:p>
+            <a:pPr algn="ctr"/>
             <a:r>
               <a:rPr lang="ru-RU" dirty="0" smtClean="0"/>
-              <a:t>Не для всех домов проставлена стоимость</a:t>
-            </a:r>
-          </a:p>
-          <a:p>
-            <a:pPr lvl="1"/>
-            <a:r>
-              <a:rPr lang="ru-RU" dirty="0" smtClean="0"/>
-              <a:t>Для некоторых домов указана стоимость несколько раз (разная)</a:t>
-            </a:r>
-          </a:p>
-          <a:p>
-            <a:pPr lvl="1"/>
-            <a:r>
-              <a:rPr lang="ru-RU" dirty="0" smtClean="0"/>
-              <a:t>Характеристики по площади указаны в разных единицах измерения</a:t>
-            </a:r>
-          </a:p>
-          <a:p>
-            <a:pPr lvl="1"/>
-            <a:r>
-              <a:rPr lang="ru-RU" dirty="0" smtClean="0"/>
-              <a:t>Один и тот же тип дома может быть написан разными словами (</a:t>
-            </a:r>
-            <a:r>
-              <a:rPr lang="en-US" dirty="0" smtClean="0"/>
-              <a:t>Single Family</a:t>
-            </a:r>
-            <a:r>
-              <a:rPr lang="ru-RU" dirty="0" smtClean="0"/>
-              <a:t>, </a:t>
-            </a:r>
-            <a:r>
-              <a:rPr lang="en-US" dirty="0" smtClean="0"/>
-              <a:t>Single family house </a:t>
-            </a:r>
-            <a:r>
-              <a:rPr lang="ru-RU" dirty="0" smtClean="0"/>
-              <a:t>и т.д.)</a:t>
-            </a:r>
-          </a:p>
-          <a:p>
-            <a:pPr lvl="1"/>
-            <a:r>
-              <a:rPr lang="ru-RU" dirty="0" smtClean="0"/>
-              <a:t>Для спальных комнат может быть указано как их количество, так и их площадь</a:t>
-            </a:r>
-          </a:p>
-          <a:p>
-            <a:r>
-              <a:rPr lang="ru-RU" dirty="0" smtClean="0"/>
-              <a:t>Все эти и другие недостатки в наборе данных были устранены либо удалением строк с некачественными данными, либо преобразованием в данные, которые можно использовать для модели</a:t>
-            </a:r>
-          </a:p>
-          <a:p>
-            <a:pPr lvl="1"/>
+              <a:t>Задача: уменьшить ошибку при определении стоимости дома </a:t>
+            </a:r>
             <a:endParaRPr lang="ru-RU" dirty="0"/>
           </a:p>
         </p:txBody>
       </p:sp>
+      <p:cxnSp>
+        <p:nvCxnSpPr>
+          <p:cNvPr id="9" name="Прямая со стрелкой 8"/>
+          <p:cNvCxnSpPr/>
+          <p:nvPr/>
+        </p:nvCxnSpPr>
+        <p:spPr>
+          <a:xfrm>
+            <a:off x="5237922" y="3438939"/>
+            <a:ext cx="924339" cy="1242391"/>
+          </a:xfrm>
+          <a:prstGeom prst="straightConnector1">
+            <a:avLst/>
+          </a:prstGeom>
+          <a:ln>
+            <a:tailEnd type="triangle"/>
+          </a:ln>
+        </p:spPr>
+        <p:style>
+          <a:lnRef idx="1">
+            <a:schemeClr val="accent1"/>
+          </a:lnRef>
+          <a:fillRef idx="0">
+            <a:schemeClr val="accent1"/>
+          </a:fillRef>
+          <a:effectRef idx="0">
+            <a:schemeClr val="accent1"/>
+          </a:effectRef>
+          <a:fontRef idx="minor">
+            <a:schemeClr val="tx1"/>
+          </a:fontRef>
+        </p:style>
+      </p:cxnSp>
+      <p:cxnSp>
+        <p:nvCxnSpPr>
+          <p:cNvPr id="11" name="Прямая со стрелкой 10"/>
+          <p:cNvCxnSpPr/>
+          <p:nvPr/>
+        </p:nvCxnSpPr>
+        <p:spPr>
+          <a:xfrm flipH="1">
+            <a:off x="7434470" y="3438939"/>
+            <a:ext cx="1083365" cy="1242391"/>
+          </a:xfrm>
+          <a:prstGeom prst="straightConnector1">
+            <a:avLst/>
+          </a:prstGeom>
+          <a:ln>
+            <a:tailEnd type="triangle"/>
+          </a:ln>
+        </p:spPr>
+        <p:style>
+          <a:lnRef idx="1">
+            <a:schemeClr val="accent1"/>
+          </a:lnRef>
+          <a:fillRef idx="0">
+            <a:schemeClr val="accent1"/>
+          </a:fillRef>
+          <a:effectRef idx="0">
+            <a:schemeClr val="accent1"/>
+          </a:effectRef>
+          <a:fontRef idx="minor">
+            <a:schemeClr val="tx1"/>
+          </a:fontRef>
+        </p:style>
+      </p:cxnSp>
     </p:spTree>
     <p:extLst>
       <p:ext uri="{BB962C8B-B14F-4D97-AF65-F5344CB8AC3E}">
-        <p14:creationId xmlns:p14="http://schemas.microsoft.com/office/powerpoint/2010/main" val="1221959435"/>
+        <p14:creationId xmlns:p14="http://schemas.microsoft.com/office/powerpoint/2010/main" val="4248322957"/>
       </p:ext>
     </p:extLst>
   </p:cSld>
   <p:clrMapOvr>
     <a:masterClrMapping/>
   </p:clrMapOvr>
+  <p:timing>
+    <p:tnLst>
+      <p:par>
+        <p:cTn id="1" dur="indefinite" restart="never" nodeType="tmRoot"/>
+      </p:par>
+    </p:tnLst>
+  </p:timing>
 </p:sld>
 </file>
 
@@ -8263,7 +9601,7 @@
           <a:p>
             <a:r>
               <a:rPr lang="ru-RU" dirty="0" smtClean="0"/>
-              <a:t>Анализ данных. Зависимость стоимость дома от штата</a:t>
+              <a:t>Предлагаемое решение</a:t>
             </a:r>
             <a:endParaRPr lang="ru-RU" dirty="0"/>
           </a:p>
@@ -8281,58 +9619,109 @@
         </p:nvSpPr>
         <p:spPr>
           <a:xfrm>
-            <a:off x="7658100" y="2133600"/>
-            <a:ext cx="3846512" cy="3777622"/>
+            <a:off x="2360612" y="1818860"/>
+            <a:ext cx="8915400" cy="4221570"/>
           </a:xfrm>
         </p:spPr>
         <p:txBody>
           <a:bodyPr/>
           <a:lstStyle/>
           <a:p>
-            <a:pPr marL="0" indent="0">
-              <a:buNone/>
-            </a:pPr>
+            <a:r>
+              <a:rPr lang="ru-RU" dirty="0" smtClean="0"/>
+              <a:t>Был предоставлен набор данных о продажах домов/участков</a:t>
+            </a:r>
+          </a:p>
+          <a:p>
+            <a:r>
+              <a:rPr lang="ru-RU" dirty="0" smtClean="0"/>
+              <a:t>Разработана модель для прогнозирования стоимости</a:t>
+            </a:r>
+          </a:p>
+          <a:p>
+            <a:r>
+              <a:rPr lang="ru-RU" dirty="0" smtClean="0"/>
+              <a:t>Модель определяет стоимость для любого штата/города</a:t>
+            </a:r>
+          </a:p>
+          <a:p>
+            <a:r>
+              <a:rPr lang="ru-RU" dirty="0" smtClean="0"/>
+              <a:t>Данные, на основе которых строится прогноз:</a:t>
+            </a:r>
+          </a:p>
+          <a:p>
+            <a:pPr lvl="1"/>
+            <a:r>
+              <a:rPr lang="ru-RU" dirty="0" smtClean="0"/>
+              <a:t>Площадь дома</a:t>
+            </a:r>
+          </a:p>
+          <a:p>
+            <a:pPr lvl="1"/>
+            <a:r>
+              <a:rPr lang="ru-RU" dirty="0" smtClean="0"/>
+              <a:t>Количество ванных комнат</a:t>
+            </a:r>
+          </a:p>
+          <a:p>
+            <a:pPr lvl="1"/>
+            <a:r>
+              <a:rPr lang="ru-RU" dirty="0" smtClean="0"/>
+              <a:t>Почтовый индекс </a:t>
+            </a:r>
+          </a:p>
+          <a:p>
+            <a:pPr lvl="1"/>
+            <a:r>
+              <a:rPr lang="ru-RU" dirty="0" smtClean="0"/>
+              <a:t>Площадь земельного участка</a:t>
+            </a:r>
+          </a:p>
+          <a:p>
+            <a:pPr lvl="1"/>
+            <a:r>
+              <a:rPr lang="ru-RU" dirty="0" smtClean="0"/>
+              <a:t>Адрес</a:t>
+            </a:r>
+          </a:p>
+          <a:p>
+            <a:pPr lvl="1"/>
+            <a:r>
+              <a:rPr lang="ru-RU" dirty="0" smtClean="0"/>
+              <a:t>Дистанция до близлежащих школ</a:t>
+            </a:r>
+          </a:p>
+          <a:p>
+            <a:pPr lvl="1"/>
+            <a:r>
+              <a:rPr lang="ru-RU" dirty="0" smtClean="0"/>
+              <a:t>Другие данные</a:t>
+            </a:r>
+          </a:p>
+          <a:p>
+            <a:pPr lvl="1"/>
             <a:endParaRPr lang="ru-RU" dirty="0"/>
           </a:p>
         </p:txBody>
       </p:sp>
-      <p:pic>
-        <p:nvPicPr>
-          <p:cNvPr id="4" name="Рисунок 3"/>
-          <p:cNvPicPr/>
-          <p:nvPr/>
-        </p:nvPicPr>
-        <p:blipFill>
-          <a:blip r:embed="rId2"/>
-          <a:stretch>
-            <a:fillRect/>
-          </a:stretch>
-        </p:blipFill>
-        <p:spPr>
-          <a:xfrm>
-            <a:off x="2030412" y="1997396"/>
-            <a:ext cx="9561513" cy="4289104"/>
-          </a:xfrm>
-          <a:prstGeom prst="rect">
-            <a:avLst/>
-          </a:prstGeom>
-          <a:ln>
-            <a:solidFill>
-              <a:schemeClr val="accent1"/>
-            </a:solidFill>
-          </a:ln>
-        </p:spPr>
-      </p:pic>
     </p:spTree>
     <p:extLst>
       <p:ext uri="{BB962C8B-B14F-4D97-AF65-F5344CB8AC3E}">
-        <p14:creationId xmlns:p14="http://schemas.microsoft.com/office/powerpoint/2010/main" val="4016589860"/>
+        <p14:creationId xmlns:p14="http://schemas.microsoft.com/office/powerpoint/2010/main" val="1568244641"/>
       </p:ext>
     </p:extLst>
   </p:cSld>
   <p:clrMapOvr>
     <a:masterClrMapping/>
   </p:clrMapOvr>
+  <p:timing>
+    <p:tnLst>
+      <p:par>
+        <p:cTn id="1" dur="indefinite" restart="never" nodeType="tmRoot"/>
+      </p:par>
+    </p:tnLst>
+  </p:timing>
 </p:sld>
 </file>
 
@@ -8363,70 +9752,48 @@
             <p:ph type="title"/>
           </p:nvPr>
         </p:nvSpPr>
-        <p:spPr/>
+        <p:spPr>
+          <a:xfrm>
+            <a:off x="2423959" y="852710"/>
+            <a:ext cx="8911687" cy="1280890"/>
+          </a:xfrm>
+        </p:spPr>
         <p:txBody>
           <a:bodyPr/>
           <a:lstStyle/>
           <a:p>
             <a:r>
               <a:rPr lang="ru-RU" dirty="0" smtClean="0"/>
-              <a:t>Выбор модели для прогнозирования</a:t>
+              <a:t>Предлагаемое решение</a:t>
             </a:r>
             <a:endParaRPr lang="ru-RU" dirty="0"/>
           </a:p>
         </p:txBody>
       </p:sp>
-      <p:sp>
-        <p:nvSpPr>
-          <p:cNvPr id="3" name="Объект 2"/>
-          <p:cNvSpPr>
-            <a:spLocks noGrp="1"/>
-          </p:cNvSpPr>
-          <p:nvPr>
-            <p:ph idx="1"/>
-          </p:nvPr>
-        </p:nvSpPr>
-        <p:spPr/>
-        <p:txBody>
-          <a:bodyPr/>
-          <a:lstStyle/>
-          <a:p>
-            <a:r>
-              <a:rPr lang="ru-RU" dirty="0" smtClean="0"/>
-              <a:t>На основании обработанных данных были разработаны модели для предсказания стоимости дома</a:t>
-            </a:r>
-          </a:p>
-          <a:p>
-            <a:r>
-              <a:rPr lang="ru-RU" dirty="0" smtClean="0"/>
-              <a:t>Модели сравнивались по точности предсказания </a:t>
-            </a:r>
-          </a:p>
-          <a:p>
-            <a:r>
-              <a:rPr lang="ru-RU" dirty="0" smtClean="0"/>
-              <a:t>Использовалась метрика «средняя сумма абсолютной разницы между фактическим значением и прогнозируемым» (</a:t>
-            </a:r>
-            <a:r>
-              <a:rPr lang="en-US" dirty="0" smtClean="0"/>
-              <a:t>MAE</a:t>
-            </a:r>
-            <a:r>
-              <a:rPr lang="ru-RU" dirty="0" smtClean="0"/>
-              <a:t>)</a:t>
-            </a:r>
-          </a:p>
-          <a:p>
-            <a:r>
-              <a:rPr lang="ru-RU" dirty="0" smtClean="0"/>
-              <a:t>Для прототипа была выбрана модель с наиболее точным предсказанием</a:t>
-            </a:r>
-          </a:p>
-          <a:p>
-            <a:endParaRPr lang="ru-RU" dirty="0"/>
-          </a:p>
-        </p:txBody>
-      </p:sp>
+      <p:graphicFrame>
+        <p:nvGraphicFramePr>
+          <p:cNvPr id="4" name="Диаграмма 3"/>
+          <p:cNvGraphicFramePr>
+            <a:graphicFrameLocks/>
+          </p:cNvGraphicFramePr>
+          <p:nvPr>
+            <p:extLst>
+              <p:ext uri="{D42A27DB-BD31-4B8C-83A1-F6EECF244321}">
+                <p14:modId xmlns:p14="http://schemas.microsoft.com/office/powerpoint/2010/main" val="2709821378"/>
+              </p:ext>
+            </p:extLst>
+          </p:nvPr>
+        </p:nvGraphicFramePr>
+        <p:xfrm>
+          <a:off x="2912164" y="1977887"/>
+          <a:ext cx="6549887" cy="3687419"/>
+        </p:xfrm>
+        <a:graphic>
+          <a:graphicData uri="http://schemas.openxmlformats.org/drawingml/2006/chart">
+            <c:chart xmlns:c="http://schemas.openxmlformats.org/drawingml/2006/chart" xmlns:r="http://schemas.openxmlformats.org/officeDocument/2006/relationships" r:id="rId2"/>
+          </a:graphicData>
+        </a:graphic>
+      </p:graphicFrame>
     </p:spTree>
     <p:extLst>
       <p:ext uri="{BB962C8B-B14F-4D97-AF65-F5344CB8AC3E}">
@@ -8437,6 +9804,13 @@
   <p:clrMapOvr>
     <a:masterClrMapping/>
   </p:clrMapOvr>
+  <p:timing>
+    <p:tnLst>
+      <p:par>
+        <p:cTn id="1" dur="indefinite" restart="never" nodeType="tmRoot"/>
+      </p:par>
+    </p:tnLst>
+  </p:timing>
 </p:sld>
 </file>
 
@@ -8474,7 +9848,7 @@
           <a:p>
             <a:r>
               <a:rPr lang="ru-RU" dirty="0" smtClean="0"/>
-              <a:t>Характеристики, наиболее влияющие на стоимость дома</a:t>
+              <a:t>Прототип</a:t>
             </a:r>
             <a:endParaRPr lang="ru-RU" dirty="0"/>
           </a:p>
@@ -8495,13 +9869,37 @@
           <a:bodyPr/>
           <a:lstStyle/>
           <a:p>
-            <a:endParaRPr lang="ru-RU"/>
+            <a:r>
+              <a:rPr lang="ru-RU" dirty="0" smtClean="0"/>
+              <a:t>Прототип реализован в виде сервиса</a:t>
+            </a:r>
+          </a:p>
+          <a:p>
+            <a:r>
+              <a:rPr lang="ru-RU" dirty="0" smtClean="0"/>
+              <a:t>На вход подаются данные в том же виде, в каком они имеются в исходном наборе данных</a:t>
+            </a:r>
+            <a:endParaRPr lang="en-US" dirty="0" smtClean="0"/>
+          </a:p>
+          <a:p>
+            <a:r>
+              <a:rPr lang="ru-RU" dirty="0" smtClean="0"/>
+              <a:t>Результат </a:t>
+            </a:r>
+            <a:r>
+              <a:rPr lang="ru-RU" dirty="0" smtClean="0"/>
+              <a:t>работы прототипа – ориентировочная стоимость дома в </a:t>
+            </a:r>
+            <a:r>
+              <a:rPr lang="ru-RU" dirty="0" smtClean="0"/>
+              <a:t>долларах</a:t>
+            </a:r>
           </a:p>
         </p:txBody>
       </p:sp>
       <p:pic>
         <p:nvPicPr>
-          <p:cNvPr id="7" name="Рисунок 6"/>
+          <p:cNvPr id="5" name="Рисунок 4"/>
           <p:cNvPicPr>
             <a:picLocks noChangeAspect="1"/>
           </p:cNvPicPr>
@@ -8515,8 +9913,8 @@
         </p:blipFill>
         <p:spPr>
           <a:xfrm>
-            <a:off x="2122487" y="1979298"/>
-            <a:ext cx="9071289" cy="3931924"/>
+            <a:off x="4637558" y="4468925"/>
+            <a:ext cx="6664370" cy="526530"/>
           </a:xfrm>
           <a:prstGeom prst="rect">
             <a:avLst/>
@@ -8526,13 +9924,20 @@
     </p:spTree>
     <p:extLst>
       <p:ext uri="{BB962C8B-B14F-4D97-AF65-F5344CB8AC3E}">
-        <p14:creationId xmlns:p14="http://schemas.microsoft.com/office/powerpoint/2010/main" val="728010175"/>
+        <p14:creationId xmlns:p14="http://schemas.microsoft.com/office/powerpoint/2010/main" val="2845021619"/>
       </p:ext>
     </p:extLst>
   </p:cSld>
   <p:clrMapOvr>
     <a:masterClrMapping/>
   </p:clrMapOvr>
+  <p:timing>
+    <p:tnLst>
+      <p:par>
+        <p:cTn id="1" dur="indefinite" restart="never" nodeType="tmRoot"/>
+      </p:par>
+    </p:tnLst>
+  </p:timing>
 </p:sld>
 </file>
 
@@ -8555,7 +9960,7 @@
       </p:grpSpPr>
       <p:sp>
         <p:nvSpPr>
-          <p:cNvPr id="2" name="Заголовок 1"/>
+          <p:cNvPr id="4" name="Заголовок 3"/>
           <p:cNvSpPr>
             <a:spLocks noGrp="1"/>
           </p:cNvSpPr>
@@ -8570,179 +9975,29 @@
           <a:p>
             <a:r>
               <a:rPr lang="ru-RU" dirty="0" smtClean="0"/>
-              <a:t>Прототип</a:t>
+              <a:t>Спасибо за внимание!</a:t>
             </a:r>
             <a:endParaRPr lang="ru-RU" dirty="0"/>
           </a:p>
         </p:txBody>
       </p:sp>
-      <p:sp>
-        <p:nvSpPr>
-          <p:cNvPr id="3" name="Объект 2"/>
-          <p:cNvSpPr>
-            <a:spLocks noGrp="1"/>
-          </p:cNvSpPr>
-          <p:nvPr>
-            <p:ph idx="1"/>
-          </p:nvPr>
-        </p:nvSpPr>
-        <p:spPr/>
-        <p:txBody>
-          <a:bodyPr/>
-          <a:lstStyle/>
-          <a:p>
-            <a:r>
-              <a:rPr lang="ru-RU" dirty="0" smtClean="0"/>
-              <a:t>Прототип реализован в виде сервиса</a:t>
-            </a:r>
-          </a:p>
-          <a:p>
-            <a:r>
-              <a:rPr lang="ru-RU" dirty="0" smtClean="0"/>
-              <a:t>На вход подаются данные в том же виде, в каком они имеются в исходном наборе данных</a:t>
-            </a:r>
-          </a:p>
-          <a:p>
-            <a:r>
-              <a:rPr lang="ru-RU" dirty="0" smtClean="0"/>
-              <a:t>Результат работы прототипа – ориентировочная стоимость дома в долларах</a:t>
-            </a:r>
-            <a:endParaRPr lang="ru-RU" dirty="0"/>
-          </a:p>
-        </p:txBody>
-      </p:sp>
-      <p:pic>
-        <p:nvPicPr>
-          <p:cNvPr id="4" name="Рисунок 3"/>
-          <p:cNvPicPr/>
-          <p:nvPr/>
-        </p:nvPicPr>
-        <p:blipFill rotWithShape="1">
-          <a:blip r:embed="rId2"/>
-          <a:srcRect l="11019" t="64663" r="28061" b="1472"/>
-          <a:stretch/>
-        </p:blipFill>
-        <p:spPr>
-          <a:xfrm>
-            <a:off x="4943475" y="4324350"/>
-            <a:ext cx="5362575" cy="438150"/>
-          </a:xfrm>
-          <a:prstGeom prst="rect">
-            <a:avLst/>
-          </a:prstGeom>
-          <a:ln>
-            <a:solidFill>
-              <a:schemeClr val="tx1"/>
-            </a:solidFill>
-          </a:ln>
-        </p:spPr>
-      </p:pic>
     </p:spTree>
     <p:extLst>
       <p:ext uri="{BB962C8B-B14F-4D97-AF65-F5344CB8AC3E}">
-        <p14:creationId xmlns:p14="http://schemas.microsoft.com/office/powerpoint/2010/main" val="2845021619"/>
+        <p14:creationId xmlns:p14="http://schemas.microsoft.com/office/powerpoint/2010/main" val="3622643048"/>
       </p:ext>
     </p:extLst>
   </p:cSld>
   <p:clrMapOvr>
     <a:masterClrMapping/>
   </p:clrMapOvr>
-</p:sld>
-</file>
-
-<file path=ppt/slides/slide9.xml><?xml version="1.0" encoding="utf-8"?>
-<p:sld xmlns:a="http://schemas.openxmlformats.org/drawingml/2006/main" xmlns:r="http://schemas.openxmlformats.org/officeDocument/2006/relationships" xmlns:p="http://schemas.openxmlformats.org/presentationml/2006/main">
-  <p:cSld>
-    <p:spTree>
-      <p:nvGrpSpPr>
-        <p:cNvPr id="1" name=""/>
-        <p:cNvGrpSpPr/>
-        <p:nvPr/>
-      </p:nvGrpSpPr>
-      <p:grpSpPr>
-        <a:xfrm>
-          <a:off x="0" y="0"/>
-          <a:ext cx="0" cy="0"/>
-          <a:chOff x="0" y="0"/>
-          <a:chExt cx="0" cy="0"/>
-        </a:xfrm>
-      </p:grpSpPr>
-      <p:sp>
-        <p:nvSpPr>
-          <p:cNvPr id="2" name="Заголовок 1"/>
-          <p:cNvSpPr>
-            <a:spLocks noGrp="1"/>
-          </p:cNvSpPr>
-          <p:nvPr>
-            <p:ph type="title"/>
-          </p:nvPr>
-        </p:nvSpPr>
-        <p:spPr/>
-        <p:txBody>
-          <a:bodyPr/>
-          <a:lstStyle/>
-          <a:p>
-            <a:r>
-              <a:rPr lang="ru-RU" dirty="0" smtClean="0"/>
-              <a:t>Что дальше?</a:t>
-            </a:r>
-            <a:endParaRPr lang="ru-RU" dirty="0"/>
-          </a:p>
-        </p:txBody>
-      </p:sp>
-      <p:sp>
-        <p:nvSpPr>
-          <p:cNvPr id="3" name="Объект 2"/>
-          <p:cNvSpPr>
-            <a:spLocks noGrp="1"/>
-          </p:cNvSpPr>
-          <p:nvPr>
-            <p:ph idx="1"/>
-          </p:nvPr>
-        </p:nvSpPr>
-        <p:spPr/>
-        <p:txBody>
-          <a:bodyPr/>
-          <a:lstStyle/>
-          <a:p>
-            <a:r>
-              <a:rPr lang="ru-RU" dirty="0" smtClean="0"/>
-              <a:t>Прототип уже сейчас можно использовать для прогнозирования</a:t>
-            </a:r>
-          </a:p>
-          <a:p>
-            <a:r>
-              <a:rPr lang="ru-RU" dirty="0" smtClean="0"/>
-              <a:t>При появлении новых данных (в том же составе характеристик) можно переобучить модель, чтобы получить более точный прогноз</a:t>
-            </a:r>
-          </a:p>
-          <a:p>
-            <a:r>
-              <a:rPr lang="ru-RU" dirty="0" smtClean="0"/>
-              <a:t>Можно попробовать подключить другие данные (население городов, спрос на дома в городах и т.д.) для улучшения модели</a:t>
-            </a:r>
-          </a:p>
-          <a:p>
-            <a:r>
-              <a:rPr lang="ru-RU" dirty="0" smtClean="0"/>
-              <a:t>При изменении состава данных (добавлении новых характеристик) модель необходимо будет переобучить</a:t>
-            </a:r>
-          </a:p>
-          <a:p>
-            <a:endParaRPr lang="ru-RU" dirty="0"/>
-          </a:p>
-        </p:txBody>
-      </p:sp>
-    </p:spTree>
-    <p:extLst>
-      <p:ext uri="{BB962C8B-B14F-4D97-AF65-F5344CB8AC3E}">
-        <p14:creationId xmlns:p14="http://schemas.microsoft.com/office/powerpoint/2010/main" val="3273772953"/>
-      </p:ext>
-    </p:extLst>
-  </p:cSld>
-  <p:clrMapOvr>
-    <a:masterClrMapping/>
-  </p:clrMapOvr>
+  <p:timing>
+    <p:tnLst>
+      <p:par>
+        <p:cTn id="1" dur="indefinite" restart="never" nodeType="tmRoot"/>
+      </p:par>
+    </p:tnLst>
+  </p:timing>
 </p:sld>
 </file>
 
